--- a/images/ppt-to-size-images.pptx
+++ b/images/ppt-to-size-images.pptx
@@ -8,6 +8,8 @@
     <p:sldId id="256" r:id="rId2"/>
     <p:sldId id="257" r:id="rId3"/>
     <p:sldId id="258" r:id="rId4"/>
+    <p:sldId id="260" r:id="rId5"/>
+    <p:sldId id="259" r:id="rId6"/>
   </p:sldIdLst>
   <p:sldSz cx="12192000" cy="6858000"/>
   <p:notesSz cx="6858000" cy="9144000"/>
@@ -106,6 +108,11 @@
       </a:defRPr>
     </a:lvl9pPr>
   </p:defaultTextStyle>
+  <p:extLst>
+    <p:ext uri="{EFAFB233-063F-42B5-8137-9DF3F51BA10A}">
+      <p15:sldGuideLst xmlns:p15="http://schemas.microsoft.com/office/powerpoint/2012/main"/>
+    </p:ext>
+  </p:extLst>
 </p:presentation>
 </file>
 
@@ -240,7 +247,7 @@
           <a:p>
             <a:fld id="{12B6DBB2-C918-40F8-AB3C-69C5EB3B8A38}" type="datetimeFigureOut">
               <a:rPr lang="en-US" smtClean="0"/>
-              <a:t>5/6/2018</a:t>
+              <a:t>5/7/2018</a:t>
             </a:fld>
             <a:endParaRPr lang="en-US"/>
           </a:p>
@@ -410,7 +417,7 @@
           <a:p>
             <a:fld id="{12B6DBB2-C918-40F8-AB3C-69C5EB3B8A38}" type="datetimeFigureOut">
               <a:rPr lang="en-US" smtClean="0"/>
-              <a:t>5/6/2018</a:t>
+              <a:t>5/7/2018</a:t>
             </a:fld>
             <a:endParaRPr lang="en-US"/>
           </a:p>
@@ -590,7 +597,7 @@
           <a:p>
             <a:fld id="{12B6DBB2-C918-40F8-AB3C-69C5EB3B8A38}" type="datetimeFigureOut">
               <a:rPr lang="en-US" smtClean="0"/>
-              <a:t>5/6/2018</a:t>
+              <a:t>5/7/2018</a:t>
             </a:fld>
             <a:endParaRPr lang="en-US"/>
           </a:p>
@@ -760,7 +767,7 @@
           <a:p>
             <a:fld id="{12B6DBB2-C918-40F8-AB3C-69C5EB3B8A38}" type="datetimeFigureOut">
               <a:rPr lang="en-US" smtClean="0"/>
-              <a:t>5/6/2018</a:t>
+              <a:t>5/7/2018</a:t>
             </a:fld>
             <a:endParaRPr lang="en-US"/>
           </a:p>
@@ -1006,7 +1013,7 @@
           <a:p>
             <a:fld id="{12B6DBB2-C918-40F8-AB3C-69C5EB3B8A38}" type="datetimeFigureOut">
               <a:rPr lang="en-US" smtClean="0"/>
-              <a:t>5/6/2018</a:t>
+              <a:t>5/7/2018</a:t>
             </a:fld>
             <a:endParaRPr lang="en-US"/>
           </a:p>
@@ -1238,7 +1245,7 @@
           <a:p>
             <a:fld id="{12B6DBB2-C918-40F8-AB3C-69C5EB3B8A38}" type="datetimeFigureOut">
               <a:rPr lang="en-US" smtClean="0"/>
-              <a:t>5/6/2018</a:t>
+              <a:t>5/7/2018</a:t>
             </a:fld>
             <a:endParaRPr lang="en-US"/>
           </a:p>
@@ -1605,7 +1612,7 @@
           <a:p>
             <a:fld id="{12B6DBB2-C918-40F8-AB3C-69C5EB3B8A38}" type="datetimeFigureOut">
               <a:rPr lang="en-US" smtClean="0"/>
-              <a:t>5/6/2018</a:t>
+              <a:t>5/7/2018</a:t>
             </a:fld>
             <a:endParaRPr lang="en-US"/>
           </a:p>
@@ -1723,7 +1730,7 @@
           <a:p>
             <a:fld id="{12B6DBB2-C918-40F8-AB3C-69C5EB3B8A38}" type="datetimeFigureOut">
               <a:rPr lang="en-US" smtClean="0"/>
-              <a:t>5/6/2018</a:t>
+              <a:t>5/7/2018</a:t>
             </a:fld>
             <a:endParaRPr lang="en-US"/>
           </a:p>
@@ -1818,7 +1825,7 @@
           <a:p>
             <a:fld id="{12B6DBB2-C918-40F8-AB3C-69C5EB3B8A38}" type="datetimeFigureOut">
               <a:rPr lang="en-US" smtClean="0"/>
-              <a:t>5/6/2018</a:t>
+              <a:t>5/7/2018</a:t>
             </a:fld>
             <a:endParaRPr lang="en-US"/>
           </a:p>
@@ -2095,7 +2102,7 @@
           <a:p>
             <a:fld id="{12B6DBB2-C918-40F8-AB3C-69C5EB3B8A38}" type="datetimeFigureOut">
               <a:rPr lang="en-US" smtClean="0"/>
-              <a:t>5/6/2018</a:t>
+              <a:t>5/7/2018</a:t>
             </a:fld>
             <a:endParaRPr lang="en-US"/>
           </a:p>
@@ -2348,7 +2355,7 @@
           <a:p>
             <a:fld id="{12B6DBB2-C918-40F8-AB3C-69C5EB3B8A38}" type="datetimeFigureOut">
               <a:rPr lang="en-US" smtClean="0"/>
-              <a:t>5/6/2018</a:t>
+              <a:t>5/7/2018</a:t>
             </a:fld>
             <a:endParaRPr lang="en-US"/>
           </a:p>
@@ -2561,7 +2568,7 @@
           <a:p>
             <a:fld id="{12B6DBB2-C918-40F8-AB3C-69C5EB3B8A38}" type="datetimeFigureOut">
               <a:rPr lang="en-US" smtClean="0"/>
-              <a:t>5/6/2018</a:t>
+              <a:t>5/7/2018</a:t>
             </a:fld>
             <a:endParaRPr lang="en-US"/>
           </a:p>
@@ -3309,6 +3316,265 @@
 </p:sld>
 </file>
 
+<file path=ppt/slides/slide4.xml><?xml version="1.0" encoding="utf-8"?>
+<p:sld xmlns:a="http://schemas.openxmlformats.org/drawingml/2006/main" xmlns:r="http://schemas.openxmlformats.org/officeDocument/2006/relationships" xmlns:p="http://schemas.openxmlformats.org/presentationml/2006/main">
+  <p:cSld>
+    <p:spTree>
+      <p:nvGrpSpPr>
+        <p:cNvPr id="1" name=""/>
+        <p:cNvGrpSpPr/>
+        <p:nvPr/>
+      </p:nvGrpSpPr>
+      <p:grpSpPr>
+        <a:xfrm>
+          <a:off x="0" y="0"/>
+          <a:ext cx="0" cy="0"/>
+          <a:chOff x="0" y="0"/>
+          <a:chExt cx="0" cy="0"/>
+        </a:xfrm>
+      </p:grpSpPr>
+      <p:grpSp>
+        <p:nvGrpSpPr>
+          <p:cNvPr id="6" name="Group 5"/>
+          <p:cNvGrpSpPr/>
+          <p:nvPr/>
+        </p:nvGrpSpPr>
+        <p:grpSpPr>
+          <a:xfrm>
+            <a:off x="5847705" y="1317540"/>
+            <a:ext cx="4455459" cy="3621742"/>
+            <a:chOff x="5847705" y="1317540"/>
+            <a:chExt cx="4455459" cy="3621742"/>
+          </a:xfrm>
+        </p:grpSpPr>
+        <p:sp>
+          <p:nvSpPr>
+            <p:cNvPr id="4" name="Rounded Rectangle 3"/>
+            <p:cNvSpPr/>
+            <p:nvPr/>
+          </p:nvSpPr>
+          <p:spPr>
+            <a:xfrm>
+              <a:off x="5847705" y="1317540"/>
+              <a:ext cx="4455459" cy="3621742"/>
+            </a:xfrm>
+            <a:prstGeom prst="roundRect">
+              <a:avLst/>
+            </a:prstGeom>
+            <a:noFill/>
+          </p:spPr>
+          <p:style>
+            <a:lnRef idx="2">
+              <a:schemeClr val="accent1">
+                <a:shade val="50000"/>
+              </a:schemeClr>
+            </a:lnRef>
+            <a:fillRef idx="1">
+              <a:schemeClr val="accent1"/>
+            </a:fillRef>
+            <a:effectRef idx="0">
+              <a:schemeClr val="accent1"/>
+            </a:effectRef>
+            <a:fontRef idx="minor">
+              <a:schemeClr val="lt1"/>
+            </a:fontRef>
+          </p:style>
+          <p:txBody>
+            <a:bodyPr rtlCol="0" anchor="ctr"/>
+            <a:lstStyle/>
+            <a:p>
+              <a:pPr algn="ctr"/>
+              <a:endParaRPr lang="en-US"/>
+            </a:p>
+          </p:txBody>
+        </p:sp>
+        <p:pic>
+          <p:nvPicPr>
+            <p:cNvPr id="5" name="Picture 4"/>
+            <p:cNvPicPr>
+              <a:picLocks noChangeAspect="1"/>
+            </p:cNvPicPr>
+            <p:nvPr/>
+          </p:nvPicPr>
+          <p:blipFill>
+            <a:blip r:embed="rId2"/>
+            <a:stretch>
+              <a:fillRect/>
+            </a:stretch>
+          </p:blipFill>
+          <p:spPr>
+            <a:xfrm>
+              <a:off x="6549052" y="1602029"/>
+              <a:ext cx="3052763" cy="3052763"/>
+            </a:xfrm>
+            <a:prstGeom prst="rect">
+              <a:avLst/>
+            </a:prstGeom>
+          </p:spPr>
+        </p:pic>
+      </p:grpSp>
+    </p:spTree>
+    <p:extLst>
+      <p:ext uri="{BB962C8B-B14F-4D97-AF65-F5344CB8AC3E}">
+        <p14:creationId xmlns:p14="http://schemas.microsoft.com/office/powerpoint/2010/main" val="602209011"/>
+      </p:ext>
+    </p:extLst>
+  </p:cSld>
+  <p:clrMapOvr>
+    <a:masterClrMapping/>
+  </p:clrMapOvr>
+</p:sld>
+</file>
+
+<file path=ppt/slides/slide5.xml><?xml version="1.0" encoding="utf-8"?>
+<p:sld xmlns:a="http://schemas.openxmlformats.org/drawingml/2006/main" xmlns:r="http://schemas.openxmlformats.org/officeDocument/2006/relationships" xmlns:p="http://schemas.openxmlformats.org/presentationml/2006/main">
+  <p:cSld>
+    <p:spTree>
+      <p:nvGrpSpPr>
+        <p:cNvPr id="1" name=""/>
+        <p:cNvGrpSpPr/>
+        <p:nvPr/>
+      </p:nvGrpSpPr>
+      <p:grpSpPr>
+        <a:xfrm>
+          <a:off x="0" y="0"/>
+          <a:ext cx="0" cy="0"/>
+          <a:chOff x="0" y="0"/>
+          <a:chExt cx="0" cy="0"/>
+        </a:xfrm>
+      </p:grpSpPr>
+      <p:grpSp>
+        <p:nvGrpSpPr>
+          <p:cNvPr id="7" name="Group 6"/>
+          <p:cNvGrpSpPr/>
+          <p:nvPr/>
+        </p:nvGrpSpPr>
+        <p:grpSpPr>
+          <a:xfrm>
+            <a:off x="6454587" y="878541"/>
+            <a:ext cx="1479177" cy="1246094"/>
+            <a:chOff x="6454588" y="878541"/>
+            <a:chExt cx="1295400" cy="1200329"/>
+          </a:xfrm>
+        </p:grpSpPr>
+        <p:sp>
+          <p:nvSpPr>
+            <p:cNvPr id="5" name="TextBox 4"/>
+            <p:cNvSpPr txBox="1"/>
+            <p:nvPr/>
+          </p:nvSpPr>
+          <p:spPr>
+            <a:xfrm>
+              <a:off x="6454588" y="878541"/>
+              <a:ext cx="744071" cy="1200329"/>
+            </a:xfrm>
+            <a:prstGeom prst="rect">
+              <a:avLst/>
+            </a:prstGeom>
+            <a:noFill/>
+          </p:spPr>
+          <p:txBody>
+            <a:bodyPr wrap="square" rtlCol="0">
+              <a:spAutoFit/>
+            </a:bodyPr>
+            <a:lstStyle/>
+            <a:p>
+              <a:r>
+                <a:rPr lang="en-US" sz="7200" dirty="0" smtClean="0">
+                  <a:solidFill>
+                    <a:srgbClr val="0C2340"/>
+                  </a:solidFill>
+                  <a:latin typeface="AR DESTINE" panose="02000000000000000000" pitchFamily="2" charset="0"/>
+                </a:rPr>
+                <a:t>J</a:t>
+              </a:r>
+              <a:endParaRPr lang="en-US" sz="7200" dirty="0">
+                <a:solidFill>
+                  <a:srgbClr val="0C2340"/>
+                </a:solidFill>
+                <a:latin typeface="AR DESTINE" panose="02000000000000000000" pitchFamily="2" charset="0"/>
+              </a:endParaRPr>
+            </a:p>
+          </p:txBody>
+        </p:sp>
+        <p:sp>
+          <p:nvSpPr>
+            <p:cNvPr id="6" name="TextBox 5"/>
+            <p:cNvSpPr txBox="1"/>
+            <p:nvPr/>
+          </p:nvSpPr>
+          <p:spPr>
+            <a:xfrm>
+              <a:off x="6826623" y="878541"/>
+              <a:ext cx="923365" cy="1191364"/>
+            </a:xfrm>
+            <a:prstGeom prst="rect">
+              <a:avLst/>
+            </a:prstGeom>
+            <a:noFill/>
+          </p:spPr>
+          <p:txBody>
+            <a:bodyPr wrap="square" rtlCol="0">
+              <a:spAutoFit/>
+            </a:bodyPr>
+            <a:lstStyle/>
+            <a:p>
+              <a:r>
+                <a:rPr lang="en-US" sz="7200" dirty="0" smtClean="0">
+                  <a:solidFill>
+                    <a:srgbClr val="C99700"/>
+                  </a:solidFill>
+                  <a:latin typeface="AR DESTINE" panose="02000000000000000000" pitchFamily="2" charset="0"/>
+                </a:rPr>
+                <a:t>H</a:t>
+              </a:r>
+              <a:endParaRPr lang="en-US" sz="7200" dirty="0">
+                <a:solidFill>
+                  <a:srgbClr val="C99700"/>
+                </a:solidFill>
+                <a:latin typeface="AR DESTINE" panose="02000000000000000000" pitchFamily="2" charset="0"/>
+              </a:endParaRPr>
+            </a:p>
+          </p:txBody>
+        </p:sp>
+      </p:grpSp>
+      <p:pic>
+        <p:nvPicPr>
+          <p:cNvPr id="9" name="Picture 8"/>
+          <p:cNvPicPr>
+            <a:picLocks noChangeAspect="1"/>
+          </p:cNvPicPr>
+          <p:nvPr/>
+        </p:nvPicPr>
+        <p:blipFill>
+          <a:blip r:embed="rId2"/>
+          <a:stretch>
+            <a:fillRect/>
+          </a:stretch>
+        </p:blipFill>
+        <p:spPr>
+          <a:xfrm>
+            <a:off x="4194361" y="2489387"/>
+            <a:ext cx="1257300" cy="857250"/>
+          </a:xfrm>
+          <a:prstGeom prst="rect">
+            <a:avLst/>
+          </a:prstGeom>
+        </p:spPr>
+      </p:pic>
+    </p:spTree>
+    <p:extLst>
+      <p:ext uri="{BB962C8B-B14F-4D97-AF65-F5344CB8AC3E}">
+        <p14:creationId xmlns:p14="http://schemas.microsoft.com/office/powerpoint/2010/main" val="3076697305"/>
+      </p:ext>
+    </p:extLst>
+  </p:cSld>
+  <p:clrMapOvr>
+    <a:masterClrMapping/>
+  </p:clrMapOvr>
+</p:sld>
+</file>
+
 <file path=ppt/theme/theme1.xml><?xml version="1.0" encoding="utf-8"?>
 <a:theme xmlns:a="http://schemas.openxmlformats.org/drawingml/2006/main" name="Office Theme">
   <a:themeElements>

--- a/images/ppt-to-size-images.pptx
+++ b/images/ppt-to-size-images.pptx
@@ -9,7 +9,8 @@
     <p:sldId id="257" r:id="rId3"/>
     <p:sldId id="258" r:id="rId4"/>
     <p:sldId id="260" r:id="rId5"/>
-    <p:sldId id="259" r:id="rId6"/>
+    <p:sldId id="261" r:id="rId6"/>
+    <p:sldId id="259" r:id="rId7"/>
   </p:sldIdLst>
   <p:sldSz cx="12192000" cy="6858000"/>
   <p:notesSz cx="6858000" cy="9144000"/>
@@ -3443,6 +3444,107 @@
           <a:chExt cx="0" cy="0"/>
         </a:xfrm>
       </p:grpSpPr>
+      <p:sp>
+        <p:nvSpPr>
+          <p:cNvPr id="4" name="Rounded Rectangle 3"/>
+          <p:cNvSpPr/>
+          <p:nvPr/>
+        </p:nvSpPr>
+        <p:spPr>
+          <a:xfrm>
+            <a:off x="5847705" y="1317540"/>
+            <a:ext cx="4455459" cy="3621742"/>
+          </a:xfrm>
+          <a:prstGeom prst="roundRect">
+            <a:avLst/>
+          </a:prstGeom>
+          <a:noFill/>
+        </p:spPr>
+        <p:style>
+          <a:lnRef idx="2">
+            <a:schemeClr val="accent1">
+              <a:shade val="50000"/>
+            </a:schemeClr>
+          </a:lnRef>
+          <a:fillRef idx="1">
+            <a:schemeClr val="accent1"/>
+          </a:fillRef>
+          <a:effectRef idx="0">
+            <a:schemeClr val="accent1"/>
+          </a:effectRef>
+          <a:fontRef idx="minor">
+            <a:schemeClr val="lt1"/>
+          </a:fontRef>
+        </p:style>
+        <p:txBody>
+          <a:bodyPr rtlCol="0" anchor="ctr"/>
+          <a:lstStyle/>
+          <a:p>
+            <a:pPr algn="ctr"/>
+            <a:endParaRPr lang="en-US"/>
+          </a:p>
+        </p:txBody>
+      </p:sp>
+      <p:pic>
+        <p:nvPicPr>
+          <p:cNvPr id="2" name="Picture 1"/>
+          <p:cNvPicPr>
+            <a:picLocks noChangeAspect="1"/>
+          </p:cNvPicPr>
+          <p:nvPr/>
+        </p:nvPicPr>
+        <p:blipFill>
+          <a:blip r:embed="rId2">
+            <a:extLst>
+              <a:ext uri="{28A0092B-C50C-407E-A947-70E740481C1C}">
+                <a14:useLocalDpi xmlns:a14="http://schemas.microsoft.com/office/drawing/2010/main" val="0"/>
+              </a:ext>
+            </a:extLst>
+          </a:blip>
+          <a:stretch>
+            <a:fillRect/>
+          </a:stretch>
+        </p:blipFill>
+        <p:spPr>
+          <a:xfrm>
+            <a:off x="5901064" y="1771057"/>
+            <a:ext cx="4348739" cy="2714707"/>
+          </a:xfrm>
+          <a:prstGeom prst="rect">
+            <a:avLst/>
+          </a:prstGeom>
+        </p:spPr>
+      </p:pic>
+    </p:spTree>
+    <p:extLst>
+      <p:ext uri="{BB962C8B-B14F-4D97-AF65-F5344CB8AC3E}">
+        <p14:creationId xmlns:p14="http://schemas.microsoft.com/office/powerpoint/2010/main" val="158507333"/>
+      </p:ext>
+    </p:extLst>
+  </p:cSld>
+  <p:clrMapOvr>
+    <a:masterClrMapping/>
+  </p:clrMapOvr>
+</p:sld>
+</file>
+
+<file path=ppt/slides/slide6.xml><?xml version="1.0" encoding="utf-8"?>
+<p:sld xmlns:a="http://schemas.openxmlformats.org/drawingml/2006/main" xmlns:r="http://schemas.openxmlformats.org/officeDocument/2006/relationships" xmlns:p="http://schemas.openxmlformats.org/presentationml/2006/main">
+  <p:cSld>
+    <p:spTree>
+      <p:nvGrpSpPr>
+        <p:cNvPr id="1" name=""/>
+        <p:cNvGrpSpPr/>
+        <p:nvPr/>
+      </p:nvGrpSpPr>
+      <p:grpSpPr>
+        <a:xfrm>
+          <a:off x="0" y="0"/>
+          <a:ext cx="0" cy="0"/>
+          <a:chOff x="0" y="0"/>
+          <a:chExt cx="0" cy="0"/>
+        </a:xfrm>
+      </p:grpSpPr>
       <p:grpSp>
         <p:nvGrpSpPr>
           <p:cNvPr id="7" name="Group 6"/>

--- a/images/ppt-to-size-images.pptx
+++ b/images/ppt-to-size-images.pptx
@@ -3444,77 +3444,92 @@
           <a:chExt cx="0" cy="0"/>
         </a:xfrm>
       </p:grpSpPr>
-      <p:sp>
-        <p:nvSpPr>
-          <p:cNvPr id="4" name="Rounded Rectangle 3"/>
-          <p:cNvSpPr/>
+      <p:grpSp>
+        <p:nvGrpSpPr>
+          <p:cNvPr id="3" name="Group 2"/>
+          <p:cNvGrpSpPr/>
           <p:nvPr/>
-        </p:nvSpPr>
-        <p:spPr>
+        </p:nvGrpSpPr>
+        <p:grpSpPr>
           <a:xfrm>
             <a:off x="5847705" y="1317540"/>
             <a:ext cx="4455459" cy="3621742"/>
+            <a:chOff x="5847705" y="1317540"/>
+            <a:chExt cx="4455459" cy="3621742"/>
           </a:xfrm>
-          <a:prstGeom prst="roundRect">
-            <a:avLst/>
-          </a:prstGeom>
-          <a:noFill/>
-        </p:spPr>
-        <p:style>
-          <a:lnRef idx="2">
-            <a:schemeClr val="accent1">
-              <a:shade val="50000"/>
-            </a:schemeClr>
-          </a:lnRef>
-          <a:fillRef idx="1">
-            <a:schemeClr val="accent1"/>
-          </a:fillRef>
-          <a:effectRef idx="0">
-            <a:schemeClr val="accent1"/>
-          </a:effectRef>
-          <a:fontRef idx="minor">
-            <a:schemeClr val="lt1"/>
-          </a:fontRef>
-        </p:style>
-        <p:txBody>
-          <a:bodyPr rtlCol="0" anchor="ctr"/>
-          <a:lstStyle/>
-          <a:p>
-            <a:pPr algn="ctr"/>
-            <a:endParaRPr lang="en-US"/>
-          </a:p>
-        </p:txBody>
-      </p:sp>
-      <p:pic>
-        <p:nvPicPr>
-          <p:cNvPr id="2" name="Picture 1"/>
-          <p:cNvPicPr>
-            <a:picLocks noChangeAspect="1"/>
-          </p:cNvPicPr>
-          <p:nvPr/>
-        </p:nvPicPr>
-        <p:blipFill>
-          <a:blip r:embed="rId2">
-            <a:extLst>
-              <a:ext uri="{28A0092B-C50C-407E-A947-70E740481C1C}">
-                <a14:useLocalDpi xmlns:a14="http://schemas.microsoft.com/office/drawing/2010/main" val="0"/>
-              </a:ext>
-            </a:extLst>
-          </a:blip>
-          <a:stretch>
-            <a:fillRect/>
-          </a:stretch>
-        </p:blipFill>
-        <p:spPr>
-          <a:xfrm>
-            <a:off x="5901064" y="1771057"/>
-            <a:ext cx="4348739" cy="2714707"/>
-          </a:xfrm>
-          <a:prstGeom prst="rect">
-            <a:avLst/>
-          </a:prstGeom>
-        </p:spPr>
-      </p:pic>
+        </p:grpSpPr>
+        <p:sp>
+          <p:nvSpPr>
+            <p:cNvPr id="4" name="Rounded Rectangle 3"/>
+            <p:cNvSpPr/>
+            <p:nvPr/>
+          </p:nvSpPr>
+          <p:spPr>
+            <a:xfrm>
+              <a:off x="5847705" y="1317540"/>
+              <a:ext cx="4455459" cy="3621742"/>
+            </a:xfrm>
+            <a:prstGeom prst="roundRect">
+              <a:avLst/>
+            </a:prstGeom>
+            <a:noFill/>
+          </p:spPr>
+          <p:style>
+            <a:lnRef idx="2">
+              <a:schemeClr val="accent1">
+                <a:shade val="50000"/>
+              </a:schemeClr>
+            </a:lnRef>
+            <a:fillRef idx="1">
+              <a:schemeClr val="accent1"/>
+            </a:fillRef>
+            <a:effectRef idx="0">
+              <a:schemeClr val="accent1"/>
+            </a:effectRef>
+            <a:fontRef idx="minor">
+              <a:schemeClr val="lt1"/>
+            </a:fontRef>
+          </p:style>
+          <p:txBody>
+            <a:bodyPr rtlCol="0" anchor="ctr"/>
+            <a:lstStyle/>
+            <a:p>
+              <a:pPr algn="ctr"/>
+              <a:endParaRPr lang="en-US"/>
+            </a:p>
+          </p:txBody>
+        </p:sp>
+        <p:pic>
+          <p:nvPicPr>
+            <p:cNvPr id="2" name="Picture 1"/>
+            <p:cNvPicPr>
+              <a:picLocks noChangeAspect="1"/>
+            </p:cNvPicPr>
+            <p:nvPr/>
+          </p:nvPicPr>
+          <p:blipFill>
+            <a:blip r:embed="rId2">
+              <a:extLst>
+                <a:ext uri="{28A0092B-C50C-407E-A947-70E740481C1C}">
+                  <a14:useLocalDpi xmlns:a14="http://schemas.microsoft.com/office/drawing/2010/main" val="0"/>
+                </a:ext>
+              </a:extLst>
+            </a:blip>
+            <a:stretch>
+              <a:fillRect/>
+            </a:stretch>
+          </p:blipFill>
+          <p:spPr>
+            <a:xfrm>
+              <a:off x="5901064" y="1771057"/>
+              <a:ext cx="4348739" cy="2714707"/>
+            </a:xfrm>
+            <a:prstGeom prst="rect">
+              <a:avLst/>
+            </a:prstGeom>
+          </p:spPr>
+        </p:pic>
+      </p:grpSp>
     </p:spTree>
     <p:extLst>
       <p:ext uri="{BB962C8B-B14F-4D97-AF65-F5344CB8AC3E}">

--- a/images/ppt-to-size-images.pptx
+++ b/images/ppt-to-size-images.pptx
@@ -10,7 +10,8 @@
     <p:sldId id="258" r:id="rId4"/>
     <p:sldId id="260" r:id="rId5"/>
     <p:sldId id="261" r:id="rId6"/>
-    <p:sldId id="259" r:id="rId7"/>
+    <p:sldId id="262" r:id="rId7"/>
+    <p:sldId id="259" r:id="rId8"/>
   </p:sldIdLst>
   <p:sldSz cx="12192000" cy="6858000"/>
   <p:notesSz cx="6858000" cy="9144000"/>
@@ -248,7 +249,7 @@
           <a:p>
             <a:fld id="{12B6DBB2-C918-40F8-AB3C-69C5EB3B8A38}" type="datetimeFigureOut">
               <a:rPr lang="en-US" smtClean="0"/>
-              <a:t>5/7/2018</a:t>
+              <a:t>5/15/2018</a:t>
             </a:fld>
             <a:endParaRPr lang="en-US"/>
           </a:p>
@@ -418,7 +419,7 @@
           <a:p>
             <a:fld id="{12B6DBB2-C918-40F8-AB3C-69C5EB3B8A38}" type="datetimeFigureOut">
               <a:rPr lang="en-US" smtClean="0"/>
-              <a:t>5/7/2018</a:t>
+              <a:t>5/15/2018</a:t>
             </a:fld>
             <a:endParaRPr lang="en-US"/>
           </a:p>
@@ -598,7 +599,7 @@
           <a:p>
             <a:fld id="{12B6DBB2-C918-40F8-AB3C-69C5EB3B8A38}" type="datetimeFigureOut">
               <a:rPr lang="en-US" smtClean="0"/>
-              <a:t>5/7/2018</a:t>
+              <a:t>5/15/2018</a:t>
             </a:fld>
             <a:endParaRPr lang="en-US"/>
           </a:p>
@@ -768,7 +769,7 @@
           <a:p>
             <a:fld id="{12B6DBB2-C918-40F8-AB3C-69C5EB3B8A38}" type="datetimeFigureOut">
               <a:rPr lang="en-US" smtClean="0"/>
-              <a:t>5/7/2018</a:t>
+              <a:t>5/15/2018</a:t>
             </a:fld>
             <a:endParaRPr lang="en-US"/>
           </a:p>
@@ -1014,7 +1015,7 @@
           <a:p>
             <a:fld id="{12B6DBB2-C918-40F8-AB3C-69C5EB3B8A38}" type="datetimeFigureOut">
               <a:rPr lang="en-US" smtClean="0"/>
-              <a:t>5/7/2018</a:t>
+              <a:t>5/15/2018</a:t>
             </a:fld>
             <a:endParaRPr lang="en-US"/>
           </a:p>
@@ -1246,7 +1247,7 @@
           <a:p>
             <a:fld id="{12B6DBB2-C918-40F8-AB3C-69C5EB3B8A38}" type="datetimeFigureOut">
               <a:rPr lang="en-US" smtClean="0"/>
-              <a:t>5/7/2018</a:t>
+              <a:t>5/15/2018</a:t>
             </a:fld>
             <a:endParaRPr lang="en-US"/>
           </a:p>
@@ -1613,7 +1614,7 @@
           <a:p>
             <a:fld id="{12B6DBB2-C918-40F8-AB3C-69C5EB3B8A38}" type="datetimeFigureOut">
               <a:rPr lang="en-US" smtClean="0"/>
-              <a:t>5/7/2018</a:t>
+              <a:t>5/15/2018</a:t>
             </a:fld>
             <a:endParaRPr lang="en-US"/>
           </a:p>
@@ -1731,7 +1732,7 @@
           <a:p>
             <a:fld id="{12B6DBB2-C918-40F8-AB3C-69C5EB3B8A38}" type="datetimeFigureOut">
               <a:rPr lang="en-US" smtClean="0"/>
-              <a:t>5/7/2018</a:t>
+              <a:t>5/15/2018</a:t>
             </a:fld>
             <a:endParaRPr lang="en-US"/>
           </a:p>
@@ -1826,7 +1827,7 @@
           <a:p>
             <a:fld id="{12B6DBB2-C918-40F8-AB3C-69C5EB3B8A38}" type="datetimeFigureOut">
               <a:rPr lang="en-US" smtClean="0"/>
-              <a:t>5/7/2018</a:t>
+              <a:t>5/15/2018</a:t>
             </a:fld>
             <a:endParaRPr lang="en-US"/>
           </a:p>
@@ -2103,7 +2104,7 @@
           <a:p>
             <a:fld id="{12B6DBB2-C918-40F8-AB3C-69C5EB3B8A38}" type="datetimeFigureOut">
               <a:rPr lang="en-US" smtClean="0"/>
-              <a:t>5/7/2018</a:t>
+              <a:t>5/15/2018</a:t>
             </a:fld>
             <a:endParaRPr lang="en-US"/>
           </a:p>
@@ -2356,7 +2357,7 @@
           <a:p>
             <a:fld id="{12B6DBB2-C918-40F8-AB3C-69C5EB3B8A38}" type="datetimeFigureOut">
               <a:rPr lang="en-US" smtClean="0"/>
-              <a:t>5/7/2018</a:t>
+              <a:t>5/15/2018</a:t>
             </a:fld>
             <a:endParaRPr lang="en-US"/>
           </a:p>
@@ -2569,7 +2570,7 @@
           <a:p>
             <a:fld id="{12B6DBB2-C918-40F8-AB3C-69C5EB3B8A38}" type="datetimeFigureOut">
               <a:rPr lang="en-US" smtClean="0"/>
-              <a:t>5/7/2018</a:t>
+              <a:t>5/15/2018</a:t>
             </a:fld>
             <a:endParaRPr lang="en-US"/>
           </a:p>
@@ -3562,6 +3563,124 @@
       </p:grpSpPr>
       <p:grpSp>
         <p:nvGrpSpPr>
+          <p:cNvPr id="6" name="Group 5"/>
+          <p:cNvGrpSpPr/>
+          <p:nvPr/>
+        </p:nvGrpSpPr>
+        <p:grpSpPr>
+          <a:xfrm>
+            <a:off x="5847705" y="1317540"/>
+            <a:ext cx="4455459" cy="3621742"/>
+            <a:chOff x="5847705" y="1317540"/>
+            <a:chExt cx="4455459" cy="3621742"/>
+          </a:xfrm>
+        </p:grpSpPr>
+        <p:sp>
+          <p:nvSpPr>
+            <p:cNvPr id="4" name="Rounded Rectangle 3"/>
+            <p:cNvSpPr/>
+            <p:nvPr/>
+          </p:nvSpPr>
+          <p:spPr>
+            <a:xfrm>
+              <a:off x="5847705" y="1317540"/>
+              <a:ext cx="4455459" cy="3621742"/>
+            </a:xfrm>
+            <a:prstGeom prst="roundRect">
+              <a:avLst/>
+            </a:prstGeom>
+            <a:solidFill>
+              <a:schemeClr val="bg1"/>
+            </a:solidFill>
+          </p:spPr>
+          <p:style>
+            <a:lnRef idx="2">
+              <a:schemeClr val="accent1">
+                <a:shade val="50000"/>
+              </a:schemeClr>
+            </a:lnRef>
+            <a:fillRef idx="1">
+              <a:schemeClr val="accent1"/>
+            </a:fillRef>
+            <a:effectRef idx="0">
+              <a:schemeClr val="accent1"/>
+            </a:effectRef>
+            <a:fontRef idx="minor">
+              <a:schemeClr val="lt1"/>
+            </a:fontRef>
+          </p:style>
+          <p:txBody>
+            <a:bodyPr rtlCol="0" anchor="ctr"/>
+            <a:lstStyle/>
+            <a:p>
+              <a:pPr algn="ctr"/>
+              <a:endParaRPr lang="en-US"/>
+            </a:p>
+          </p:txBody>
+        </p:sp>
+        <p:pic>
+          <p:nvPicPr>
+            <p:cNvPr id="5" name="Picture 4"/>
+            <p:cNvPicPr>
+              <a:picLocks noChangeAspect="1"/>
+            </p:cNvPicPr>
+            <p:nvPr/>
+          </p:nvPicPr>
+          <p:blipFill>
+            <a:blip r:embed="rId2" cstate="print">
+              <a:extLst>
+                <a:ext uri="{28A0092B-C50C-407E-A947-70E740481C1C}">
+                  <a14:useLocalDpi xmlns:a14="http://schemas.microsoft.com/office/drawing/2010/main" val="0"/>
+                </a:ext>
+              </a:extLst>
+            </a:blip>
+            <a:stretch>
+              <a:fillRect/>
+            </a:stretch>
+          </p:blipFill>
+          <p:spPr>
+            <a:xfrm>
+              <a:off x="5900754" y="2417608"/>
+              <a:ext cx="4349359" cy="1421605"/>
+            </a:xfrm>
+            <a:prstGeom prst="rect">
+              <a:avLst/>
+            </a:prstGeom>
+          </p:spPr>
+        </p:pic>
+      </p:grpSp>
+    </p:spTree>
+    <p:extLst>
+      <p:ext uri="{BB962C8B-B14F-4D97-AF65-F5344CB8AC3E}">
+        <p14:creationId xmlns:p14="http://schemas.microsoft.com/office/powerpoint/2010/main" val="4213965810"/>
+      </p:ext>
+    </p:extLst>
+  </p:cSld>
+  <p:clrMapOvr>
+    <a:masterClrMapping/>
+  </p:clrMapOvr>
+</p:sld>
+</file>
+
+<file path=ppt/slides/slide7.xml><?xml version="1.0" encoding="utf-8"?>
+<p:sld xmlns:a="http://schemas.openxmlformats.org/drawingml/2006/main" xmlns:r="http://schemas.openxmlformats.org/officeDocument/2006/relationships" xmlns:p="http://schemas.openxmlformats.org/presentationml/2006/main">
+  <p:cSld>
+    <p:spTree>
+      <p:nvGrpSpPr>
+        <p:cNvPr id="1" name=""/>
+        <p:cNvGrpSpPr/>
+        <p:nvPr/>
+      </p:nvGrpSpPr>
+      <p:grpSpPr>
+        <a:xfrm>
+          <a:off x="0" y="0"/>
+          <a:ext cx="0" cy="0"/>
+          <a:chOff x="0" y="0"/>
+          <a:chExt cx="0" cy="0"/>
+        </a:xfrm>
+      </p:grpSpPr>
+      <p:grpSp>
+        <p:nvGrpSpPr>
           <p:cNvPr id="7" name="Group 6"/>
           <p:cNvGrpSpPr/>
           <p:nvPr/>

--- a/images/ppt-to-size-images.pptx
+++ b/images/ppt-to-size-images.pptx
@@ -11,7 +11,8 @@
     <p:sldId id="260" r:id="rId5"/>
     <p:sldId id="261" r:id="rId6"/>
     <p:sldId id="262" r:id="rId7"/>
-    <p:sldId id="259" r:id="rId8"/>
+    <p:sldId id="263" r:id="rId8"/>
+    <p:sldId id="259" r:id="rId9"/>
   </p:sldIdLst>
   <p:sldSz cx="12192000" cy="6858000"/>
   <p:notesSz cx="6858000" cy="9144000"/>
@@ -249,7 +250,7 @@
           <a:p>
             <a:fld id="{12B6DBB2-C918-40F8-AB3C-69C5EB3B8A38}" type="datetimeFigureOut">
               <a:rPr lang="en-US" smtClean="0"/>
-              <a:t>5/15/2018</a:t>
+              <a:t>5/22/2018</a:t>
             </a:fld>
             <a:endParaRPr lang="en-US"/>
           </a:p>
@@ -419,7 +420,7 @@
           <a:p>
             <a:fld id="{12B6DBB2-C918-40F8-AB3C-69C5EB3B8A38}" type="datetimeFigureOut">
               <a:rPr lang="en-US" smtClean="0"/>
-              <a:t>5/15/2018</a:t>
+              <a:t>5/22/2018</a:t>
             </a:fld>
             <a:endParaRPr lang="en-US"/>
           </a:p>
@@ -599,7 +600,7 @@
           <a:p>
             <a:fld id="{12B6DBB2-C918-40F8-AB3C-69C5EB3B8A38}" type="datetimeFigureOut">
               <a:rPr lang="en-US" smtClean="0"/>
-              <a:t>5/15/2018</a:t>
+              <a:t>5/22/2018</a:t>
             </a:fld>
             <a:endParaRPr lang="en-US"/>
           </a:p>
@@ -769,7 +770,7 @@
           <a:p>
             <a:fld id="{12B6DBB2-C918-40F8-AB3C-69C5EB3B8A38}" type="datetimeFigureOut">
               <a:rPr lang="en-US" smtClean="0"/>
-              <a:t>5/15/2018</a:t>
+              <a:t>5/22/2018</a:t>
             </a:fld>
             <a:endParaRPr lang="en-US"/>
           </a:p>
@@ -1015,7 +1016,7 @@
           <a:p>
             <a:fld id="{12B6DBB2-C918-40F8-AB3C-69C5EB3B8A38}" type="datetimeFigureOut">
               <a:rPr lang="en-US" smtClean="0"/>
-              <a:t>5/15/2018</a:t>
+              <a:t>5/22/2018</a:t>
             </a:fld>
             <a:endParaRPr lang="en-US"/>
           </a:p>
@@ -1247,7 +1248,7 @@
           <a:p>
             <a:fld id="{12B6DBB2-C918-40F8-AB3C-69C5EB3B8A38}" type="datetimeFigureOut">
               <a:rPr lang="en-US" smtClean="0"/>
-              <a:t>5/15/2018</a:t>
+              <a:t>5/22/2018</a:t>
             </a:fld>
             <a:endParaRPr lang="en-US"/>
           </a:p>
@@ -1614,7 +1615,7 @@
           <a:p>
             <a:fld id="{12B6DBB2-C918-40F8-AB3C-69C5EB3B8A38}" type="datetimeFigureOut">
               <a:rPr lang="en-US" smtClean="0"/>
-              <a:t>5/15/2018</a:t>
+              <a:t>5/22/2018</a:t>
             </a:fld>
             <a:endParaRPr lang="en-US"/>
           </a:p>
@@ -1732,7 +1733,7 @@
           <a:p>
             <a:fld id="{12B6DBB2-C918-40F8-AB3C-69C5EB3B8A38}" type="datetimeFigureOut">
               <a:rPr lang="en-US" smtClean="0"/>
-              <a:t>5/15/2018</a:t>
+              <a:t>5/22/2018</a:t>
             </a:fld>
             <a:endParaRPr lang="en-US"/>
           </a:p>
@@ -1827,7 +1828,7 @@
           <a:p>
             <a:fld id="{12B6DBB2-C918-40F8-AB3C-69C5EB3B8A38}" type="datetimeFigureOut">
               <a:rPr lang="en-US" smtClean="0"/>
-              <a:t>5/15/2018</a:t>
+              <a:t>5/22/2018</a:t>
             </a:fld>
             <a:endParaRPr lang="en-US"/>
           </a:p>
@@ -2104,7 +2105,7 @@
           <a:p>
             <a:fld id="{12B6DBB2-C918-40F8-AB3C-69C5EB3B8A38}" type="datetimeFigureOut">
               <a:rPr lang="en-US" smtClean="0"/>
-              <a:t>5/15/2018</a:t>
+              <a:t>5/22/2018</a:t>
             </a:fld>
             <a:endParaRPr lang="en-US"/>
           </a:p>
@@ -2357,7 +2358,7 @@
           <a:p>
             <a:fld id="{12B6DBB2-C918-40F8-AB3C-69C5EB3B8A38}" type="datetimeFigureOut">
               <a:rPr lang="en-US" smtClean="0"/>
-              <a:t>5/15/2018</a:t>
+              <a:t>5/22/2018</a:t>
             </a:fld>
             <a:endParaRPr lang="en-US"/>
           </a:p>
@@ -2570,7 +2571,7 @@
           <a:p>
             <a:fld id="{12B6DBB2-C918-40F8-AB3C-69C5EB3B8A38}" type="datetimeFigureOut">
               <a:rPr lang="en-US" smtClean="0"/>
-              <a:t>5/15/2018</a:t>
+              <a:t>5/22/2018</a:t>
             </a:fld>
             <a:endParaRPr lang="en-US"/>
           </a:p>
@@ -3681,6 +3682,118 @@
       </p:grpSpPr>
       <p:grpSp>
         <p:nvGrpSpPr>
+          <p:cNvPr id="11" name="Group 10"/>
+          <p:cNvGrpSpPr/>
+          <p:nvPr/>
+        </p:nvGrpSpPr>
+        <p:grpSpPr>
+          <a:xfrm>
+            <a:off x="5847705" y="1317540"/>
+            <a:ext cx="4455459" cy="3621742"/>
+            <a:chOff x="5847705" y="1317540"/>
+            <a:chExt cx="4455459" cy="3621742"/>
+          </a:xfrm>
+        </p:grpSpPr>
+        <p:sp>
+          <p:nvSpPr>
+            <p:cNvPr id="4" name="Rounded Rectangle 3"/>
+            <p:cNvSpPr/>
+            <p:nvPr/>
+          </p:nvSpPr>
+          <p:spPr>
+            <a:xfrm>
+              <a:off x="5847705" y="1317540"/>
+              <a:ext cx="4455459" cy="3621742"/>
+            </a:xfrm>
+            <a:prstGeom prst="roundRect">
+              <a:avLst/>
+            </a:prstGeom>
+            <a:solidFill>
+              <a:schemeClr val="bg1"/>
+            </a:solidFill>
+          </p:spPr>
+          <p:style>
+            <a:lnRef idx="2">
+              <a:schemeClr val="accent1">
+                <a:shade val="50000"/>
+              </a:schemeClr>
+            </a:lnRef>
+            <a:fillRef idx="1">
+              <a:schemeClr val="accent1"/>
+            </a:fillRef>
+            <a:effectRef idx="0">
+              <a:schemeClr val="accent1"/>
+            </a:effectRef>
+            <a:fontRef idx="minor">
+              <a:schemeClr val="lt1"/>
+            </a:fontRef>
+          </p:style>
+          <p:txBody>
+            <a:bodyPr rtlCol="0" anchor="ctr"/>
+            <a:lstStyle/>
+            <a:p>
+              <a:pPr algn="ctr"/>
+              <a:endParaRPr lang="en-US"/>
+            </a:p>
+          </p:txBody>
+        </p:sp>
+        <p:pic>
+          <p:nvPicPr>
+            <p:cNvPr id="10" name="Picture 9"/>
+            <p:cNvPicPr>
+              <a:picLocks noChangeAspect="1"/>
+            </p:cNvPicPr>
+            <p:nvPr/>
+          </p:nvPicPr>
+          <p:blipFill>
+            <a:blip r:embed="rId2"/>
+            <a:stretch>
+              <a:fillRect/>
+            </a:stretch>
+          </p:blipFill>
+          <p:spPr>
+            <a:xfrm>
+              <a:off x="5919923" y="2388520"/>
+              <a:ext cx="4383241" cy="1479782"/>
+            </a:xfrm>
+            <a:prstGeom prst="rect">
+              <a:avLst/>
+            </a:prstGeom>
+          </p:spPr>
+        </p:pic>
+      </p:grpSp>
+    </p:spTree>
+    <p:extLst>
+      <p:ext uri="{BB962C8B-B14F-4D97-AF65-F5344CB8AC3E}">
+        <p14:creationId xmlns:p14="http://schemas.microsoft.com/office/powerpoint/2010/main" val="1134671404"/>
+      </p:ext>
+    </p:extLst>
+  </p:cSld>
+  <p:clrMapOvr>
+    <a:masterClrMapping/>
+  </p:clrMapOvr>
+</p:sld>
+</file>
+
+<file path=ppt/slides/slide8.xml><?xml version="1.0" encoding="utf-8"?>
+<p:sld xmlns:a="http://schemas.openxmlformats.org/drawingml/2006/main" xmlns:r="http://schemas.openxmlformats.org/officeDocument/2006/relationships" xmlns:p="http://schemas.openxmlformats.org/presentationml/2006/main">
+  <p:cSld>
+    <p:spTree>
+      <p:nvGrpSpPr>
+        <p:cNvPr id="1" name=""/>
+        <p:cNvGrpSpPr/>
+        <p:nvPr/>
+      </p:nvGrpSpPr>
+      <p:grpSpPr>
+        <a:xfrm>
+          <a:off x="0" y="0"/>
+          <a:ext cx="0" cy="0"/>
+          <a:chOff x="0" y="0"/>
+          <a:chExt cx="0" cy="0"/>
+        </a:xfrm>
+      </p:grpSpPr>
+      <p:grpSp>
+        <p:nvGrpSpPr>
           <p:cNvPr id="7" name="Group 6"/>
           <p:cNvGrpSpPr/>
           <p:nvPr/>

--- a/images/ppt-to-size-images.pptx
+++ b/images/ppt-to-size-images.pptx
@@ -12,7 +12,8 @@
     <p:sldId id="261" r:id="rId6"/>
     <p:sldId id="262" r:id="rId7"/>
     <p:sldId id="263" r:id="rId8"/>
-    <p:sldId id="259" r:id="rId9"/>
+    <p:sldId id="264" r:id="rId9"/>
+    <p:sldId id="259" r:id="rId10"/>
   </p:sldIdLst>
   <p:sldSz cx="12192000" cy="6858000"/>
   <p:notesSz cx="6858000" cy="9144000"/>
@@ -250,7 +251,7 @@
           <a:p>
             <a:fld id="{12B6DBB2-C918-40F8-AB3C-69C5EB3B8A38}" type="datetimeFigureOut">
               <a:rPr lang="en-US" smtClean="0"/>
-              <a:t>5/22/2018</a:t>
+              <a:t>5/31/2018</a:t>
             </a:fld>
             <a:endParaRPr lang="en-US"/>
           </a:p>
@@ -420,7 +421,7 @@
           <a:p>
             <a:fld id="{12B6DBB2-C918-40F8-AB3C-69C5EB3B8A38}" type="datetimeFigureOut">
               <a:rPr lang="en-US" smtClean="0"/>
-              <a:t>5/22/2018</a:t>
+              <a:t>5/31/2018</a:t>
             </a:fld>
             <a:endParaRPr lang="en-US"/>
           </a:p>
@@ -600,7 +601,7 @@
           <a:p>
             <a:fld id="{12B6DBB2-C918-40F8-AB3C-69C5EB3B8A38}" type="datetimeFigureOut">
               <a:rPr lang="en-US" smtClean="0"/>
-              <a:t>5/22/2018</a:t>
+              <a:t>5/31/2018</a:t>
             </a:fld>
             <a:endParaRPr lang="en-US"/>
           </a:p>
@@ -770,7 +771,7 @@
           <a:p>
             <a:fld id="{12B6DBB2-C918-40F8-AB3C-69C5EB3B8A38}" type="datetimeFigureOut">
               <a:rPr lang="en-US" smtClean="0"/>
-              <a:t>5/22/2018</a:t>
+              <a:t>5/31/2018</a:t>
             </a:fld>
             <a:endParaRPr lang="en-US"/>
           </a:p>
@@ -1016,7 +1017,7 @@
           <a:p>
             <a:fld id="{12B6DBB2-C918-40F8-AB3C-69C5EB3B8A38}" type="datetimeFigureOut">
               <a:rPr lang="en-US" smtClean="0"/>
-              <a:t>5/22/2018</a:t>
+              <a:t>5/31/2018</a:t>
             </a:fld>
             <a:endParaRPr lang="en-US"/>
           </a:p>
@@ -1248,7 +1249,7 @@
           <a:p>
             <a:fld id="{12B6DBB2-C918-40F8-AB3C-69C5EB3B8A38}" type="datetimeFigureOut">
               <a:rPr lang="en-US" smtClean="0"/>
-              <a:t>5/22/2018</a:t>
+              <a:t>5/31/2018</a:t>
             </a:fld>
             <a:endParaRPr lang="en-US"/>
           </a:p>
@@ -1615,7 +1616,7 @@
           <a:p>
             <a:fld id="{12B6DBB2-C918-40F8-AB3C-69C5EB3B8A38}" type="datetimeFigureOut">
               <a:rPr lang="en-US" smtClean="0"/>
-              <a:t>5/22/2018</a:t>
+              <a:t>5/31/2018</a:t>
             </a:fld>
             <a:endParaRPr lang="en-US"/>
           </a:p>
@@ -1733,7 +1734,7 @@
           <a:p>
             <a:fld id="{12B6DBB2-C918-40F8-AB3C-69C5EB3B8A38}" type="datetimeFigureOut">
               <a:rPr lang="en-US" smtClean="0"/>
-              <a:t>5/22/2018</a:t>
+              <a:t>5/31/2018</a:t>
             </a:fld>
             <a:endParaRPr lang="en-US"/>
           </a:p>
@@ -1828,7 +1829,7 @@
           <a:p>
             <a:fld id="{12B6DBB2-C918-40F8-AB3C-69C5EB3B8A38}" type="datetimeFigureOut">
               <a:rPr lang="en-US" smtClean="0"/>
-              <a:t>5/22/2018</a:t>
+              <a:t>5/31/2018</a:t>
             </a:fld>
             <a:endParaRPr lang="en-US"/>
           </a:p>
@@ -2105,7 +2106,7 @@
           <a:p>
             <a:fld id="{12B6DBB2-C918-40F8-AB3C-69C5EB3B8A38}" type="datetimeFigureOut">
               <a:rPr lang="en-US" smtClean="0"/>
-              <a:t>5/22/2018</a:t>
+              <a:t>5/31/2018</a:t>
             </a:fld>
             <a:endParaRPr lang="en-US"/>
           </a:p>
@@ -2358,7 +2359,7 @@
           <a:p>
             <a:fld id="{12B6DBB2-C918-40F8-AB3C-69C5EB3B8A38}" type="datetimeFigureOut">
               <a:rPr lang="en-US" smtClean="0"/>
-              <a:t>5/22/2018</a:t>
+              <a:t>5/31/2018</a:t>
             </a:fld>
             <a:endParaRPr lang="en-US"/>
           </a:p>
@@ -2571,7 +2572,7 @@
           <a:p>
             <a:fld id="{12B6DBB2-C918-40F8-AB3C-69C5EB3B8A38}" type="datetimeFigureOut">
               <a:rPr lang="en-US" smtClean="0"/>
-              <a:t>5/22/2018</a:t>
+              <a:t>5/31/2018</a:t>
             </a:fld>
             <a:endParaRPr lang="en-US"/>
           </a:p>
@@ -3794,6 +3795,124 @@
       </p:grpSpPr>
       <p:grpSp>
         <p:nvGrpSpPr>
+          <p:cNvPr id="3" name="Group 2"/>
+          <p:cNvGrpSpPr/>
+          <p:nvPr/>
+        </p:nvGrpSpPr>
+        <p:grpSpPr>
+          <a:xfrm>
+            <a:off x="5847705" y="1317540"/>
+            <a:ext cx="4455459" cy="3621742"/>
+            <a:chOff x="5847705" y="1317540"/>
+            <a:chExt cx="4455459" cy="3621742"/>
+          </a:xfrm>
+        </p:grpSpPr>
+        <p:sp>
+          <p:nvSpPr>
+            <p:cNvPr id="4" name="Rounded Rectangle 3"/>
+            <p:cNvSpPr/>
+            <p:nvPr/>
+          </p:nvSpPr>
+          <p:spPr>
+            <a:xfrm>
+              <a:off x="5847705" y="1317540"/>
+              <a:ext cx="4455459" cy="3621742"/>
+            </a:xfrm>
+            <a:prstGeom prst="roundRect">
+              <a:avLst/>
+            </a:prstGeom>
+            <a:solidFill>
+              <a:schemeClr val="bg1"/>
+            </a:solidFill>
+          </p:spPr>
+          <p:style>
+            <a:lnRef idx="2">
+              <a:schemeClr val="accent1">
+                <a:shade val="50000"/>
+              </a:schemeClr>
+            </a:lnRef>
+            <a:fillRef idx="1">
+              <a:schemeClr val="accent1"/>
+            </a:fillRef>
+            <a:effectRef idx="0">
+              <a:schemeClr val="accent1"/>
+            </a:effectRef>
+            <a:fontRef idx="minor">
+              <a:schemeClr val="lt1"/>
+            </a:fontRef>
+          </p:style>
+          <p:txBody>
+            <a:bodyPr rtlCol="0" anchor="ctr"/>
+            <a:lstStyle/>
+            <a:p>
+              <a:pPr algn="ctr"/>
+              <a:endParaRPr lang="en-US"/>
+            </a:p>
+          </p:txBody>
+        </p:sp>
+        <p:pic>
+          <p:nvPicPr>
+            <p:cNvPr id="2" name="Picture 1"/>
+            <p:cNvPicPr>
+              <a:picLocks noChangeAspect="1"/>
+            </p:cNvPicPr>
+            <p:nvPr/>
+          </p:nvPicPr>
+          <p:blipFill>
+            <a:blip r:embed="rId2">
+              <a:extLst>
+                <a:ext uri="{28A0092B-C50C-407E-A947-70E740481C1C}">
+                  <a14:useLocalDpi xmlns:a14="http://schemas.microsoft.com/office/drawing/2010/main" val="0"/>
+                </a:ext>
+              </a:extLst>
+            </a:blip>
+            <a:stretch>
+              <a:fillRect/>
+            </a:stretch>
+          </p:blipFill>
+          <p:spPr>
+            <a:xfrm>
+              <a:off x="6532773" y="1406917"/>
+              <a:ext cx="3085322" cy="3532365"/>
+            </a:xfrm>
+            <a:prstGeom prst="rect">
+              <a:avLst/>
+            </a:prstGeom>
+          </p:spPr>
+        </p:pic>
+      </p:grpSp>
+    </p:spTree>
+    <p:extLst>
+      <p:ext uri="{BB962C8B-B14F-4D97-AF65-F5344CB8AC3E}">
+        <p14:creationId xmlns:p14="http://schemas.microsoft.com/office/powerpoint/2010/main" val="2334319995"/>
+      </p:ext>
+    </p:extLst>
+  </p:cSld>
+  <p:clrMapOvr>
+    <a:masterClrMapping/>
+  </p:clrMapOvr>
+</p:sld>
+</file>
+
+<file path=ppt/slides/slide9.xml><?xml version="1.0" encoding="utf-8"?>
+<p:sld xmlns:a="http://schemas.openxmlformats.org/drawingml/2006/main" xmlns:r="http://schemas.openxmlformats.org/officeDocument/2006/relationships" xmlns:p="http://schemas.openxmlformats.org/presentationml/2006/main">
+  <p:cSld>
+    <p:spTree>
+      <p:nvGrpSpPr>
+        <p:cNvPr id="1" name=""/>
+        <p:cNvGrpSpPr/>
+        <p:nvPr/>
+      </p:nvGrpSpPr>
+      <p:grpSpPr>
+        <a:xfrm>
+          <a:off x="0" y="0"/>
+          <a:ext cx="0" cy="0"/>
+          <a:chOff x="0" y="0"/>
+          <a:chExt cx="0" cy="0"/>
+        </a:xfrm>
+      </p:grpSpPr>
+      <p:grpSp>
+        <p:nvGrpSpPr>
           <p:cNvPr id="7" name="Group 6"/>
           <p:cNvGrpSpPr/>
           <p:nvPr/>

--- a/images/ppt-to-size-images.pptx
+++ b/images/ppt-to-size-images.pptx
@@ -13,7 +13,8 @@
     <p:sldId id="262" r:id="rId7"/>
     <p:sldId id="263" r:id="rId8"/>
     <p:sldId id="264" r:id="rId9"/>
-    <p:sldId id="259" r:id="rId10"/>
+    <p:sldId id="265" r:id="rId10"/>
+    <p:sldId id="259" r:id="rId11"/>
   </p:sldIdLst>
   <p:sldSz cx="12192000" cy="6858000"/>
   <p:notesSz cx="6858000" cy="9144000"/>
@@ -251,7 +252,7 @@
           <a:p>
             <a:fld id="{12B6DBB2-C918-40F8-AB3C-69C5EB3B8A38}" type="datetimeFigureOut">
               <a:rPr lang="en-US" smtClean="0"/>
-              <a:t>5/31/2018</a:t>
+              <a:t>9/24/2018</a:t>
             </a:fld>
             <a:endParaRPr lang="en-US"/>
           </a:p>
@@ -421,7 +422,7 @@
           <a:p>
             <a:fld id="{12B6DBB2-C918-40F8-AB3C-69C5EB3B8A38}" type="datetimeFigureOut">
               <a:rPr lang="en-US" smtClean="0"/>
-              <a:t>5/31/2018</a:t>
+              <a:t>9/24/2018</a:t>
             </a:fld>
             <a:endParaRPr lang="en-US"/>
           </a:p>
@@ -601,7 +602,7 @@
           <a:p>
             <a:fld id="{12B6DBB2-C918-40F8-AB3C-69C5EB3B8A38}" type="datetimeFigureOut">
               <a:rPr lang="en-US" smtClean="0"/>
-              <a:t>5/31/2018</a:t>
+              <a:t>9/24/2018</a:t>
             </a:fld>
             <a:endParaRPr lang="en-US"/>
           </a:p>
@@ -771,7 +772,7 @@
           <a:p>
             <a:fld id="{12B6DBB2-C918-40F8-AB3C-69C5EB3B8A38}" type="datetimeFigureOut">
               <a:rPr lang="en-US" smtClean="0"/>
-              <a:t>5/31/2018</a:t>
+              <a:t>9/24/2018</a:t>
             </a:fld>
             <a:endParaRPr lang="en-US"/>
           </a:p>
@@ -1017,7 +1018,7 @@
           <a:p>
             <a:fld id="{12B6DBB2-C918-40F8-AB3C-69C5EB3B8A38}" type="datetimeFigureOut">
               <a:rPr lang="en-US" smtClean="0"/>
-              <a:t>5/31/2018</a:t>
+              <a:t>9/24/2018</a:t>
             </a:fld>
             <a:endParaRPr lang="en-US"/>
           </a:p>
@@ -1249,7 +1250,7 @@
           <a:p>
             <a:fld id="{12B6DBB2-C918-40F8-AB3C-69C5EB3B8A38}" type="datetimeFigureOut">
               <a:rPr lang="en-US" smtClean="0"/>
-              <a:t>5/31/2018</a:t>
+              <a:t>9/24/2018</a:t>
             </a:fld>
             <a:endParaRPr lang="en-US"/>
           </a:p>
@@ -1616,7 +1617,7 @@
           <a:p>
             <a:fld id="{12B6DBB2-C918-40F8-AB3C-69C5EB3B8A38}" type="datetimeFigureOut">
               <a:rPr lang="en-US" smtClean="0"/>
-              <a:t>5/31/2018</a:t>
+              <a:t>9/24/2018</a:t>
             </a:fld>
             <a:endParaRPr lang="en-US"/>
           </a:p>
@@ -1734,7 +1735,7 @@
           <a:p>
             <a:fld id="{12B6DBB2-C918-40F8-AB3C-69C5EB3B8A38}" type="datetimeFigureOut">
               <a:rPr lang="en-US" smtClean="0"/>
-              <a:t>5/31/2018</a:t>
+              <a:t>9/24/2018</a:t>
             </a:fld>
             <a:endParaRPr lang="en-US"/>
           </a:p>
@@ -1829,7 +1830,7 @@
           <a:p>
             <a:fld id="{12B6DBB2-C918-40F8-AB3C-69C5EB3B8A38}" type="datetimeFigureOut">
               <a:rPr lang="en-US" smtClean="0"/>
-              <a:t>5/31/2018</a:t>
+              <a:t>9/24/2018</a:t>
             </a:fld>
             <a:endParaRPr lang="en-US"/>
           </a:p>
@@ -2106,7 +2107,7 @@
           <a:p>
             <a:fld id="{12B6DBB2-C918-40F8-AB3C-69C5EB3B8A38}" type="datetimeFigureOut">
               <a:rPr lang="en-US" smtClean="0"/>
-              <a:t>5/31/2018</a:t>
+              <a:t>9/24/2018</a:t>
             </a:fld>
             <a:endParaRPr lang="en-US"/>
           </a:p>
@@ -2359,7 +2360,7 @@
           <a:p>
             <a:fld id="{12B6DBB2-C918-40F8-AB3C-69C5EB3B8A38}" type="datetimeFigureOut">
               <a:rPr lang="en-US" smtClean="0"/>
-              <a:t>5/31/2018</a:t>
+              <a:t>9/24/2018</a:t>
             </a:fld>
             <a:endParaRPr lang="en-US"/>
           </a:p>
@@ -2572,7 +2573,7 @@
           <a:p>
             <a:fld id="{12B6DBB2-C918-40F8-AB3C-69C5EB3B8A38}" type="datetimeFigureOut">
               <a:rPr lang="en-US" smtClean="0"/>
-              <a:t>5/31/2018</a:t>
+              <a:t>9/24/2018</a:t>
             </a:fld>
             <a:endParaRPr lang="en-US"/>
           </a:p>
@@ -3085,6 +3086,155 @@
     <p:extLst>
       <p:ext uri="{BB962C8B-B14F-4D97-AF65-F5344CB8AC3E}">
         <p14:creationId xmlns:p14="http://schemas.microsoft.com/office/powerpoint/2010/main" val="3209796674"/>
+      </p:ext>
+    </p:extLst>
+  </p:cSld>
+  <p:clrMapOvr>
+    <a:masterClrMapping/>
+  </p:clrMapOvr>
+</p:sld>
+</file>
+
+<file path=ppt/slides/slide10.xml><?xml version="1.0" encoding="utf-8"?>
+<p:sld xmlns:a="http://schemas.openxmlformats.org/drawingml/2006/main" xmlns:r="http://schemas.openxmlformats.org/officeDocument/2006/relationships" xmlns:p="http://schemas.openxmlformats.org/presentationml/2006/main">
+  <p:cSld>
+    <p:spTree>
+      <p:nvGrpSpPr>
+        <p:cNvPr id="1" name=""/>
+        <p:cNvGrpSpPr/>
+        <p:nvPr/>
+      </p:nvGrpSpPr>
+      <p:grpSpPr>
+        <a:xfrm>
+          <a:off x="0" y="0"/>
+          <a:ext cx="0" cy="0"/>
+          <a:chOff x="0" y="0"/>
+          <a:chExt cx="0" cy="0"/>
+        </a:xfrm>
+      </p:grpSpPr>
+      <p:grpSp>
+        <p:nvGrpSpPr>
+          <p:cNvPr id="7" name="Group 6"/>
+          <p:cNvGrpSpPr/>
+          <p:nvPr/>
+        </p:nvGrpSpPr>
+        <p:grpSpPr>
+          <a:xfrm>
+            <a:off x="6454587" y="878541"/>
+            <a:ext cx="1479177" cy="1246094"/>
+            <a:chOff x="6454588" y="878541"/>
+            <a:chExt cx="1295400" cy="1200329"/>
+          </a:xfrm>
+        </p:grpSpPr>
+        <p:sp>
+          <p:nvSpPr>
+            <p:cNvPr id="5" name="TextBox 4"/>
+            <p:cNvSpPr txBox="1"/>
+            <p:nvPr/>
+          </p:nvSpPr>
+          <p:spPr>
+            <a:xfrm>
+              <a:off x="6454588" y="878541"/>
+              <a:ext cx="744071" cy="1200329"/>
+            </a:xfrm>
+            <a:prstGeom prst="rect">
+              <a:avLst/>
+            </a:prstGeom>
+            <a:noFill/>
+          </p:spPr>
+          <p:txBody>
+            <a:bodyPr wrap="square" rtlCol="0">
+              <a:spAutoFit/>
+            </a:bodyPr>
+            <a:lstStyle/>
+            <a:p>
+              <a:r>
+                <a:rPr lang="en-US" sz="7200" dirty="0" smtClean="0">
+                  <a:solidFill>
+                    <a:srgbClr val="0C2340"/>
+                  </a:solidFill>
+                  <a:latin typeface="AR DESTINE" panose="02000000000000000000" pitchFamily="2" charset="0"/>
+                </a:rPr>
+                <a:t>J</a:t>
+              </a:r>
+              <a:endParaRPr lang="en-US" sz="7200" dirty="0">
+                <a:solidFill>
+                  <a:srgbClr val="0C2340"/>
+                </a:solidFill>
+                <a:latin typeface="AR DESTINE" panose="02000000000000000000" pitchFamily="2" charset="0"/>
+              </a:endParaRPr>
+            </a:p>
+          </p:txBody>
+        </p:sp>
+        <p:sp>
+          <p:nvSpPr>
+            <p:cNvPr id="6" name="TextBox 5"/>
+            <p:cNvSpPr txBox="1"/>
+            <p:nvPr/>
+          </p:nvSpPr>
+          <p:spPr>
+            <a:xfrm>
+              <a:off x="6826623" y="878541"/>
+              <a:ext cx="923365" cy="1191364"/>
+            </a:xfrm>
+            <a:prstGeom prst="rect">
+              <a:avLst/>
+            </a:prstGeom>
+            <a:noFill/>
+          </p:spPr>
+          <p:txBody>
+            <a:bodyPr wrap="square" rtlCol="0">
+              <a:spAutoFit/>
+            </a:bodyPr>
+            <a:lstStyle/>
+            <a:p>
+              <a:r>
+                <a:rPr lang="en-US" sz="7200" dirty="0" smtClean="0">
+                  <a:solidFill>
+                    <a:srgbClr val="C99700"/>
+                  </a:solidFill>
+                  <a:latin typeface="AR DESTINE" panose="02000000000000000000" pitchFamily="2" charset="0"/>
+                </a:rPr>
+                <a:t>H</a:t>
+              </a:r>
+              <a:endParaRPr lang="en-US" sz="7200" dirty="0">
+                <a:solidFill>
+                  <a:srgbClr val="C99700"/>
+                </a:solidFill>
+                <a:latin typeface="AR DESTINE" panose="02000000000000000000" pitchFamily="2" charset="0"/>
+              </a:endParaRPr>
+            </a:p>
+          </p:txBody>
+        </p:sp>
+      </p:grpSp>
+      <p:pic>
+        <p:nvPicPr>
+          <p:cNvPr id="9" name="Picture 8"/>
+          <p:cNvPicPr>
+            <a:picLocks noChangeAspect="1"/>
+          </p:cNvPicPr>
+          <p:nvPr/>
+        </p:nvPicPr>
+        <p:blipFill>
+          <a:blip r:embed="rId2"/>
+          <a:stretch>
+            <a:fillRect/>
+          </a:stretch>
+        </p:blipFill>
+        <p:spPr>
+          <a:xfrm>
+            <a:off x="4194361" y="2489387"/>
+            <a:ext cx="1257300" cy="857250"/>
+          </a:xfrm>
+          <a:prstGeom prst="rect">
+            <a:avLst/>
+          </a:prstGeom>
+        </p:spPr>
+      </p:pic>
+    </p:spTree>
+    <p:extLst>
+      <p:ext uri="{BB962C8B-B14F-4D97-AF65-F5344CB8AC3E}">
+        <p14:creationId xmlns:p14="http://schemas.microsoft.com/office/powerpoint/2010/main" val="3076697305"/>
       </p:ext>
     </p:extLst>
   </p:cSld>
@@ -3913,127 +4063,172 @@
       </p:grpSpPr>
       <p:grpSp>
         <p:nvGrpSpPr>
-          <p:cNvPr id="7" name="Group 6"/>
+          <p:cNvPr id="6" name="Group 5"/>
           <p:cNvGrpSpPr/>
           <p:nvPr/>
         </p:nvGrpSpPr>
         <p:grpSpPr>
           <a:xfrm>
-            <a:off x="6454587" y="878541"/>
-            <a:ext cx="1479177" cy="1246094"/>
-            <a:chOff x="6454588" y="878541"/>
-            <a:chExt cx="1295400" cy="1200329"/>
+            <a:off x="5847705" y="1317540"/>
+            <a:ext cx="4455459" cy="3621742"/>
+            <a:chOff x="5847705" y="1317540"/>
+            <a:chExt cx="4455459" cy="3621742"/>
           </a:xfrm>
         </p:grpSpPr>
         <p:sp>
           <p:nvSpPr>
-            <p:cNvPr id="5" name="TextBox 4"/>
-            <p:cNvSpPr txBox="1"/>
+            <p:cNvPr id="4" name="Rounded Rectangle 3"/>
+            <p:cNvSpPr/>
             <p:nvPr/>
           </p:nvSpPr>
           <p:spPr>
             <a:xfrm>
-              <a:off x="6454588" y="878541"/>
-              <a:ext cx="744071" cy="1200329"/>
+              <a:off x="5847705" y="1317540"/>
+              <a:ext cx="4455459" cy="3621742"/>
+            </a:xfrm>
+            <a:prstGeom prst="roundRect">
+              <a:avLst/>
+            </a:prstGeom>
+            <a:solidFill>
+              <a:schemeClr val="bg1"/>
+            </a:solidFill>
+          </p:spPr>
+          <p:style>
+            <a:lnRef idx="2">
+              <a:schemeClr val="accent1">
+                <a:shade val="50000"/>
+              </a:schemeClr>
+            </a:lnRef>
+            <a:fillRef idx="1">
+              <a:schemeClr val="accent1"/>
+            </a:fillRef>
+            <a:effectRef idx="0">
+              <a:schemeClr val="accent1"/>
+            </a:effectRef>
+            <a:fontRef idx="minor">
+              <a:schemeClr val="lt1"/>
+            </a:fontRef>
+          </p:style>
+          <p:txBody>
+            <a:bodyPr rtlCol="0" anchor="ctr"/>
+            <a:lstStyle/>
+            <a:p>
+              <a:pPr algn="ctr"/>
+              <a:endParaRPr lang="en-US"/>
+            </a:p>
+          </p:txBody>
+        </p:sp>
+        <p:pic>
+          <p:nvPicPr>
+            <p:cNvPr id="5" name="Picture 4"/>
+            <p:cNvPicPr>
+              <a:picLocks noChangeAspect="1"/>
+            </p:cNvPicPr>
+            <p:nvPr/>
+          </p:nvPicPr>
+          <p:blipFill>
+            <a:blip r:embed="rId2"/>
+            <a:stretch>
+              <a:fillRect/>
+            </a:stretch>
+          </p:blipFill>
+          <p:spPr>
+            <a:xfrm>
+              <a:off x="6135685" y="1516790"/>
+              <a:ext cx="3879498" cy="3223242"/>
             </a:xfrm>
             <a:prstGeom prst="rect">
               <a:avLst/>
             </a:prstGeom>
-            <a:noFill/>
           </p:spPr>
-          <p:txBody>
-            <a:bodyPr wrap="square" rtlCol="0">
-              <a:spAutoFit/>
-            </a:bodyPr>
-            <a:lstStyle/>
-            <a:p>
-              <a:r>
-                <a:rPr lang="en-US" sz="7200" dirty="0" smtClean="0">
-                  <a:solidFill>
-                    <a:srgbClr val="0C2340"/>
-                  </a:solidFill>
-                  <a:latin typeface="AR DESTINE" panose="02000000000000000000" pitchFamily="2" charset="0"/>
-                </a:rPr>
-                <a:t>J</a:t>
-              </a:r>
-              <a:endParaRPr lang="en-US" sz="7200" dirty="0">
-                <a:solidFill>
-                  <a:srgbClr val="0C2340"/>
-                </a:solidFill>
-                <a:latin typeface="AR DESTINE" panose="02000000000000000000" pitchFamily="2" charset="0"/>
-              </a:endParaRPr>
-            </a:p>
-          </p:txBody>
-        </p:sp>
+        </p:pic>
+      </p:grpSp>
+      <p:grpSp>
+        <p:nvGrpSpPr>
+          <p:cNvPr id="11" name="Group 10"/>
+          <p:cNvGrpSpPr/>
+          <p:nvPr/>
+        </p:nvGrpSpPr>
+        <p:grpSpPr>
+          <a:xfrm>
+            <a:off x="485130" y="1603290"/>
+            <a:ext cx="4455459" cy="3621742"/>
+            <a:chOff x="485130" y="1603290"/>
+            <a:chExt cx="4455459" cy="3621742"/>
+          </a:xfrm>
+        </p:grpSpPr>
         <p:sp>
           <p:nvSpPr>
-            <p:cNvPr id="6" name="TextBox 5"/>
-            <p:cNvSpPr txBox="1"/>
+            <p:cNvPr id="8" name="Rounded Rectangle 7"/>
+            <p:cNvSpPr/>
             <p:nvPr/>
           </p:nvSpPr>
           <p:spPr>
             <a:xfrm>
-              <a:off x="6826623" y="878541"/>
-              <a:ext cx="923365" cy="1191364"/>
+              <a:off x="485130" y="1603290"/>
+              <a:ext cx="4455459" cy="3621742"/>
+            </a:xfrm>
+            <a:prstGeom prst="roundRect">
+              <a:avLst/>
+            </a:prstGeom>
+            <a:solidFill>
+              <a:schemeClr val="bg1"/>
+            </a:solidFill>
+          </p:spPr>
+          <p:style>
+            <a:lnRef idx="2">
+              <a:schemeClr val="accent1">
+                <a:shade val="50000"/>
+              </a:schemeClr>
+            </a:lnRef>
+            <a:fillRef idx="1">
+              <a:schemeClr val="accent1"/>
+            </a:fillRef>
+            <a:effectRef idx="0">
+              <a:schemeClr val="accent1"/>
+            </a:effectRef>
+            <a:fontRef idx="minor">
+              <a:schemeClr val="lt1"/>
+            </a:fontRef>
+          </p:style>
+          <p:txBody>
+            <a:bodyPr rtlCol="0" anchor="ctr"/>
+            <a:lstStyle/>
+            <a:p>
+              <a:pPr algn="ctr"/>
+              <a:endParaRPr lang="en-US"/>
+            </a:p>
+          </p:txBody>
+        </p:sp>
+        <p:pic>
+          <p:nvPicPr>
+            <p:cNvPr id="10" name="Picture 9"/>
+            <p:cNvPicPr>
+              <a:picLocks noChangeAspect="1"/>
+            </p:cNvPicPr>
+            <p:nvPr/>
+          </p:nvPicPr>
+          <p:blipFill>
+            <a:blip r:embed="rId3"/>
+            <a:stretch>
+              <a:fillRect/>
+            </a:stretch>
+          </p:blipFill>
+          <p:spPr>
+            <a:xfrm>
+              <a:off x="767344" y="1744905"/>
+              <a:ext cx="3891029" cy="3338512"/>
             </a:xfrm>
             <a:prstGeom prst="rect">
               <a:avLst/>
             </a:prstGeom>
-            <a:noFill/>
           </p:spPr>
-          <p:txBody>
-            <a:bodyPr wrap="square" rtlCol="0">
-              <a:spAutoFit/>
-            </a:bodyPr>
-            <a:lstStyle/>
-            <a:p>
-              <a:r>
-                <a:rPr lang="en-US" sz="7200" dirty="0" smtClean="0">
-                  <a:solidFill>
-                    <a:srgbClr val="C99700"/>
-                  </a:solidFill>
-                  <a:latin typeface="AR DESTINE" panose="02000000000000000000" pitchFamily="2" charset="0"/>
-                </a:rPr>
-                <a:t>H</a:t>
-              </a:r>
-              <a:endParaRPr lang="en-US" sz="7200" dirty="0">
-                <a:solidFill>
-                  <a:srgbClr val="C99700"/>
-                </a:solidFill>
-                <a:latin typeface="AR DESTINE" panose="02000000000000000000" pitchFamily="2" charset="0"/>
-              </a:endParaRPr>
-            </a:p>
-          </p:txBody>
-        </p:sp>
+        </p:pic>
       </p:grpSp>
-      <p:pic>
-        <p:nvPicPr>
-          <p:cNvPr id="9" name="Picture 8"/>
-          <p:cNvPicPr>
-            <a:picLocks noChangeAspect="1"/>
-          </p:cNvPicPr>
-          <p:nvPr/>
-        </p:nvPicPr>
-        <p:blipFill>
-          <a:blip r:embed="rId2"/>
-          <a:stretch>
-            <a:fillRect/>
-          </a:stretch>
-        </p:blipFill>
-        <p:spPr>
-          <a:xfrm>
-            <a:off x="4194361" y="2489387"/>
-            <a:ext cx="1257300" cy="857250"/>
-          </a:xfrm>
-          <a:prstGeom prst="rect">
-            <a:avLst/>
-          </a:prstGeom>
-        </p:spPr>
-      </p:pic>
     </p:spTree>
     <p:extLst>
       <p:ext uri="{BB962C8B-B14F-4D97-AF65-F5344CB8AC3E}">
-        <p14:creationId xmlns:p14="http://schemas.microsoft.com/office/powerpoint/2010/main" val="3076697305"/>
+        <p14:creationId xmlns:p14="http://schemas.microsoft.com/office/powerpoint/2010/main" val="605985897"/>
       </p:ext>
     </p:extLst>
   </p:cSld>

--- a/images/ppt-to-size-images.pptx
+++ b/images/ppt-to-size-images.pptx
@@ -8,13 +8,14 @@
     <p:sldId id="256" r:id="rId2"/>
     <p:sldId id="257" r:id="rId3"/>
     <p:sldId id="258" r:id="rId4"/>
-    <p:sldId id="260" r:id="rId5"/>
-    <p:sldId id="261" r:id="rId6"/>
-    <p:sldId id="262" r:id="rId7"/>
-    <p:sldId id="263" r:id="rId8"/>
-    <p:sldId id="264" r:id="rId9"/>
-    <p:sldId id="265" r:id="rId10"/>
-    <p:sldId id="259" r:id="rId11"/>
+    <p:sldId id="266" r:id="rId5"/>
+    <p:sldId id="260" r:id="rId6"/>
+    <p:sldId id="261" r:id="rId7"/>
+    <p:sldId id="262" r:id="rId8"/>
+    <p:sldId id="263" r:id="rId9"/>
+    <p:sldId id="264" r:id="rId10"/>
+    <p:sldId id="265" r:id="rId11"/>
+    <p:sldId id="259" r:id="rId12"/>
   </p:sldIdLst>
   <p:sldSz cx="12192000" cy="6858000"/>
   <p:notesSz cx="6858000" cy="9144000"/>
@@ -3114,6 +3115,200 @@
       </p:grpSpPr>
       <p:grpSp>
         <p:nvGrpSpPr>
+          <p:cNvPr id="6" name="Group 5"/>
+          <p:cNvGrpSpPr/>
+          <p:nvPr/>
+        </p:nvGrpSpPr>
+        <p:grpSpPr>
+          <a:xfrm>
+            <a:off x="5847705" y="1317540"/>
+            <a:ext cx="4455459" cy="3621742"/>
+            <a:chOff x="5847705" y="1317540"/>
+            <a:chExt cx="4455459" cy="3621742"/>
+          </a:xfrm>
+        </p:grpSpPr>
+        <p:sp>
+          <p:nvSpPr>
+            <p:cNvPr id="4" name="Rounded Rectangle 3"/>
+            <p:cNvSpPr/>
+            <p:nvPr/>
+          </p:nvSpPr>
+          <p:spPr>
+            <a:xfrm>
+              <a:off x="5847705" y="1317540"/>
+              <a:ext cx="4455459" cy="3621742"/>
+            </a:xfrm>
+            <a:prstGeom prst="roundRect">
+              <a:avLst/>
+            </a:prstGeom>
+            <a:solidFill>
+              <a:schemeClr val="bg1"/>
+            </a:solidFill>
+          </p:spPr>
+          <p:style>
+            <a:lnRef idx="2">
+              <a:schemeClr val="accent1">
+                <a:shade val="50000"/>
+              </a:schemeClr>
+            </a:lnRef>
+            <a:fillRef idx="1">
+              <a:schemeClr val="accent1"/>
+            </a:fillRef>
+            <a:effectRef idx="0">
+              <a:schemeClr val="accent1"/>
+            </a:effectRef>
+            <a:fontRef idx="minor">
+              <a:schemeClr val="lt1"/>
+            </a:fontRef>
+          </p:style>
+          <p:txBody>
+            <a:bodyPr rtlCol="0" anchor="ctr"/>
+            <a:lstStyle/>
+            <a:p>
+              <a:pPr algn="ctr"/>
+              <a:endParaRPr lang="en-US"/>
+            </a:p>
+          </p:txBody>
+        </p:sp>
+        <p:pic>
+          <p:nvPicPr>
+            <p:cNvPr id="5" name="Picture 4"/>
+            <p:cNvPicPr>
+              <a:picLocks noChangeAspect="1"/>
+            </p:cNvPicPr>
+            <p:nvPr/>
+          </p:nvPicPr>
+          <p:blipFill>
+            <a:blip r:embed="rId2"/>
+            <a:stretch>
+              <a:fillRect/>
+            </a:stretch>
+          </p:blipFill>
+          <p:spPr>
+            <a:xfrm>
+              <a:off x="6135685" y="1516790"/>
+              <a:ext cx="3879498" cy="3223242"/>
+            </a:xfrm>
+            <a:prstGeom prst="rect">
+              <a:avLst/>
+            </a:prstGeom>
+          </p:spPr>
+        </p:pic>
+      </p:grpSp>
+      <p:grpSp>
+        <p:nvGrpSpPr>
+          <p:cNvPr id="11" name="Group 10"/>
+          <p:cNvGrpSpPr/>
+          <p:nvPr/>
+        </p:nvGrpSpPr>
+        <p:grpSpPr>
+          <a:xfrm>
+            <a:off x="485130" y="1603290"/>
+            <a:ext cx="4455459" cy="3621742"/>
+            <a:chOff x="485130" y="1603290"/>
+            <a:chExt cx="4455459" cy="3621742"/>
+          </a:xfrm>
+        </p:grpSpPr>
+        <p:sp>
+          <p:nvSpPr>
+            <p:cNvPr id="8" name="Rounded Rectangle 7"/>
+            <p:cNvSpPr/>
+            <p:nvPr/>
+          </p:nvSpPr>
+          <p:spPr>
+            <a:xfrm>
+              <a:off x="485130" y="1603290"/>
+              <a:ext cx="4455459" cy="3621742"/>
+            </a:xfrm>
+            <a:prstGeom prst="roundRect">
+              <a:avLst/>
+            </a:prstGeom>
+            <a:solidFill>
+              <a:schemeClr val="bg1"/>
+            </a:solidFill>
+          </p:spPr>
+          <p:style>
+            <a:lnRef idx="2">
+              <a:schemeClr val="accent1">
+                <a:shade val="50000"/>
+              </a:schemeClr>
+            </a:lnRef>
+            <a:fillRef idx="1">
+              <a:schemeClr val="accent1"/>
+            </a:fillRef>
+            <a:effectRef idx="0">
+              <a:schemeClr val="accent1"/>
+            </a:effectRef>
+            <a:fontRef idx="minor">
+              <a:schemeClr val="lt1"/>
+            </a:fontRef>
+          </p:style>
+          <p:txBody>
+            <a:bodyPr rtlCol="0" anchor="ctr"/>
+            <a:lstStyle/>
+            <a:p>
+              <a:pPr algn="ctr"/>
+              <a:endParaRPr lang="en-US"/>
+            </a:p>
+          </p:txBody>
+        </p:sp>
+        <p:pic>
+          <p:nvPicPr>
+            <p:cNvPr id="10" name="Picture 9"/>
+            <p:cNvPicPr>
+              <a:picLocks noChangeAspect="1"/>
+            </p:cNvPicPr>
+            <p:nvPr/>
+          </p:nvPicPr>
+          <p:blipFill>
+            <a:blip r:embed="rId3"/>
+            <a:stretch>
+              <a:fillRect/>
+            </a:stretch>
+          </p:blipFill>
+          <p:spPr>
+            <a:xfrm>
+              <a:off x="767344" y="1744905"/>
+              <a:ext cx="3891029" cy="3338512"/>
+            </a:xfrm>
+            <a:prstGeom prst="rect">
+              <a:avLst/>
+            </a:prstGeom>
+          </p:spPr>
+        </p:pic>
+      </p:grpSp>
+    </p:spTree>
+    <p:extLst>
+      <p:ext uri="{BB962C8B-B14F-4D97-AF65-F5344CB8AC3E}">
+        <p14:creationId xmlns:p14="http://schemas.microsoft.com/office/powerpoint/2010/main" val="605985897"/>
+      </p:ext>
+    </p:extLst>
+  </p:cSld>
+  <p:clrMapOvr>
+    <a:masterClrMapping/>
+  </p:clrMapOvr>
+</p:sld>
+</file>
+
+<file path=ppt/slides/slide11.xml><?xml version="1.0" encoding="utf-8"?>
+<p:sld xmlns:a="http://schemas.openxmlformats.org/drawingml/2006/main" xmlns:r="http://schemas.openxmlformats.org/officeDocument/2006/relationships" xmlns:p="http://schemas.openxmlformats.org/presentationml/2006/main">
+  <p:cSld>
+    <p:spTree>
+      <p:nvGrpSpPr>
+        <p:cNvPr id="1" name=""/>
+        <p:cNvGrpSpPr/>
+        <p:nvPr/>
+      </p:nvGrpSpPr>
+      <p:grpSpPr>
+        <a:xfrm>
+          <a:off x="0" y="0"/>
+          <a:ext cx="0" cy="0"/>
+          <a:chOff x="0" y="0"/>
+          <a:chExt cx="0" cy="0"/>
+        </a:xfrm>
+      </p:grpSpPr>
+      <p:grpSp>
+        <p:nvGrpSpPr>
           <p:cNvPr id="7" name="Group 6"/>
           <p:cNvGrpSpPr/>
           <p:nvPr/>
@@ -3489,6 +3684,116 @@
       </p:grpSpPr>
       <p:grpSp>
         <p:nvGrpSpPr>
+          <p:cNvPr id="7" name="Group 6"/>
+          <p:cNvGrpSpPr/>
+          <p:nvPr/>
+        </p:nvGrpSpPr>
+        <p:grpSpPr>
+          <a:xfrm>
+            <a:off x="5847705" y="1317540"/>
+            <a:ext cx="4455459" cy="3621742"/>
+            <a:chOff x="5847705" y="1317540"/>
+            <a:chExt cx="4455459" cy="3621742"/>
+          </a:xfrm>
+        </p:grpSpPr>
+        <p:sp>
+          <p:nvSpPr>
+            <p:cNvPr id="4" name="Rounded Rectangle 3"/>
+            <p:cNvSpPr/>
+            <p:nvPr/>
+          </p:nvSpPr>
+          <p:spPr>
+            <a:xfrm>
+              <a:off x="5847705" y="1317540"/>
+              <a:ext cx="4455459" cy="3621742"/>
+            </a:xfrm>
+            <a:prstGeom prst="roundRect">
+              <a:avLst/>
+            </a:prstGeom>
+            <a:noFill/>
+          </p:spPr>
+          <p:style>
+            <a:lnRef idx="2">
+              <a:schemeClr val="accent1">
+                <a:shade val="50000"/>
+              </a:schemeClr>
+            </a:lnRef>
+            <a:fillRef idx="1">
+              <a:schemeClr val="accent1"/>
+            </a:fillRef>
+            <a:effectRef idx="0">
+              <a:schemeClr val="accent1"/>
+            </a:effectRef>
+            <a:fontRef idx="minor">
+              <a:schemeClr val="lt1"/>
+            </a:fontRef>
+          </p:style>
+          <p:txBody>
+            <a:bodyPr rtlCol="0" anchor="ctr"/>
+            <a:lstStyle/>
+            <a:p>
+              <a:pPr algn="ctr"/>
+              <a:endParaRPr lang="en-US"/>
+            </a:p>
+          </p:txBody>
+        </p:sp>
+        <p:pic>
+          <p:nvPicPr>
+            <p:cNvPr id="6" name="Picture 5"/>
+            <p:cNvPicPr>
+              <a:picLocks noChangeAspect="1"/>
+            </p:cNvPicPr>
+            <p:nvPr/>
+          </p:nvPicPr>
+          <p:blipFill>
+            <a:blip r:embed="rId2"/>
+            <a:stretch>
+              <a:fillRect/>
+            </a:stretch>
+          </p:blipFill>
+          <p:spPr>
+            <a:xfrm>
+              <a:off x="5934075" y="1743075"/>
+              <a:ext cx="4282720" cy="2577764"/>
+            </a:xfrm>
+            <a:prstGeom prst="rect">
+              <a:avLst/>
+            </a:prstGeom>
+          </p:spPr>
+        </p:pic>
+      </p:grpSp>
+    </p:spTree>
+    <p:extLst>
+      <p:ext uri="{BB962C8B-B14F-4D97-AF65-F5344CB8AC3E}">
+        <p14:creationId xmlns:p14="http://schemas.microsoft.com/office/powerpoint/2010/main" val="3300811354"/>
+      </p:ext>
+    </p:extLst>
+  </p:cSld>
+  <p:clrMapOvr>
+    <a:masterClrMapping/>
+  </p:clrMapOvr>
+</p:sld>
+</file>
+
+<file path=ppt/slides/slide5.xml><?xml version="1.0" encoding="utf-8"?>
+<p:sld xmlns:a="http://schemas.openxmlformats.org/drawingml/2006/main" xmlns:r="http://schemas.openxmlformats.org/officeDocument/2006/relationships" xmlns:p="http://schemas.openxmlformats.org/presentationml/2006/main">
+  <p:cSld>
+    <p:spTree>
+      <p:nvGrpSpPr>
+        <p:cNvPr id="1" name=""/>
+        <p:cNvGrpSpPr/>
+        <p:nvPr/>
+      </p:nvGrpSpPr>
+      <p:grpSpPr>
+        <a:xfrm>
+          <a:off x="0" y="0"/>
+          <a:ext cx="0" cy="0"/>
+          <a:chOff x="0" y="0"/>
+          <a:chExt cx="0" cy="0"/>
+        </a:xfrm>
+      </p:grpSpPr>
+      <p:grpSp>
+        <p:nvGrpSpPr>
           <p:cNvPr id="6" name="Group 5"/>
           <p:cNvGrpSpPr/>
           <p:nvPr/>
@@ -3580,7 +3885,7 @@
 </p:sld>
 </file>
 
-<file path=ppt/slides/slide5.xml><?xml version="1.0" encoding="utf-8"?>
+<file path=ppt/slides/slide6.xml><?xml version="1.0" encoding="utf-8"?>
 <p:sld xmlns:a="http://schemas.openxmlformats.org/drawingml/2006/main" xmlns:r="http://schemas.openxmlformats.org/officeDocument/2006/relationships" xmlns:p="http://schemas.openxmlformats.org/presentationml/2006/main">
   <p:cSld>
     <p:spTree>
@@ -3696,7 +4001,7 @@
 </p:sld>
 </file>
 
-<file path=ppt/slides/slide6.xml><?xml version="1.0" encoding="utf-8"?>
+<file path=ppt/slides/slide7.xml><?xml version="1.0" encoding="utf-8"?>
 <p:sld xmlns:a="http://schemas.openxmlformats.org/drawingml/2006/main" xmlns:r="http://schemas.openxmlformats.org/officeDocument/2006/relationships" xmlns:p="http://schemas.openxmlformats.org/presentationml/2006/main">
   <p:cSld>
     <p:spTree>
@@ -3814,7 +4119,7 @@
 </p:sld>
 </file>
 
-<file path=ppt/slides/slide7.xml><?xml version="1.0" encoding="utf-8"?>
+<file path=ppt/slides/slide8.xml><?xml version="1.0" encoding="utf-8"?>
 <p:sld xmlns:a="http://schemas.openxmlformats.org/drawingml/2006/main" xmlns:r="http://schemas.openxmlformats.org/officeDocument/2006/relationships" xmlns:p="http://schemas.openxmlformats.org/presentationml/2006/main">
   <p:cSld>
     <p:spTree>
@@ -3926,7 +4231,7 @@
 </p:sld>
 </file>
 
-<file path=ppt/slides/slide8.xml><?xml version="1.0" encoding="utf-8"?>
+<file path=ppt/slides/slide9.xml><?xml version="1.0" encoding="utf-8"?>
 <p:sld xmlns:a="http://schemas.openxmlformats.org/drawingml/2006/main" xmlns:r="http://schemas.openxmlformats.org/officeDocument/2006/relationships" xmlns:p="http://schemas.openxmlformats.org/presentationml/2006/main">
   <p:cSld>
     <p:spTree>
@@ -4035,200 +4340,6 @@
     <p:extLst>
       <p:ext uri="{BB962C8B-B14F-4D97-AF65-F5344CB8AC3E}">
         <p14:creationId xmlns:p14="http://schemas.microsoft.com/office/powerpoint/2010/main" val="2334319995"/>
-      </p:ext>
-    </p:extLst>
-  </p:cSld>
-  <p:clrMapOvr>
-    <a:masterClrMapping/>
-  </p:clrMapOvr>
-</p:sld>
-</file>
-
-<file path=ppt/slides/slide9.xml><?xml version="1.0" encoding="utf-8"?>
-<p:sld xmlns:a="http://schemas.openxmlformats.org/drawingml/2006/main" xmlns:r="http://schemas.openxmlformats.org/officeDocument/2006/relationships" xmlns:p="http://schemas.openxmlformats.org/presentationml/2006/main">
-  <p:cSld>
-    <p:spTree>
-      <p:nvGrpSpPr>
-        <p:cNvPr id="1" name=""/>
-        <p:cNvGrpSpPr/>
-        <p:nvPr/>
-      </p:nvGrpSpPr>
-      <p:grpSpPr>
-        <a:xfrm>
-          <a:off x="0" y="0"/>
-          <a:ext cx="0" cy="0"/>
-          <a:chOff x="0" y="0"/>
-          <a:chExt cx="0" cy="0"/>
-        </a:xfrm>
-      </p:grpSpPr>
-      <p:grpSp>
-        <p:nvGrpSpPr>
-          <p:cNvPr id="6" name="Group 5"/>
-          <p:cNvGrpSpPr/>
-          <p:nvPr/>
-        </p:nvGrpSpPr>
-        <p:grpSpPr>
-          <a:xfrm>
-            <a:off x="5847705" y="1317540"/>
-            <a:ext cx="4455459" cy="3621742"/>
-            <a:chOff x="5847705" y="1317540"/>
-            <a:chExt cx="4455459" cy="3621742"/>
-          </a:xfrm>
-        </p:grpSpPr>
-        <p:sp>
-          <p:nvSpPr>
-            <p:cNvPr id="4" name="Rounded Rectangle 3"/>
-            <p:cNvSpPr/>
-            <p:nvPr/>
-          </p:nvSpPr>
-          <p:spPr>
-            <a:xfrm>
-              <a:off x="5847705" y="1317540"/>
-              <a:ext cx="4455459" cy="3621742"/>
-            </a:xfrm>
-            <a:prstGeom prst="roundRect">
-              <a:avLst/>
-            </a:prstGeom>
-            <a:solidFill>
-              <a:schemeClr val="bg1"/>
-            </a:solidFill>
-          </p:spPr>
-          <p:style>
-            <a:lnRef idx="2">
-              <a:schemeClr val="accent1">
-                <a:shade val="50000"/>
-              </a:schemeClr>
-            </a:lnRef>
-            <a:fillRef idx="1">
-              <a:schemeClr val="accent1"/>
-            </a:fillRef>
-            <a:effectRef idx="0">
-              <a:schemeClr val="accent1"/>
-            </a:effectRef>
-            <a:fontRef idx="minor">
-              <a:schemeClr val="lt1"/>
-            </a:fontRef>
-          </p:style>
-          <p:txBody>
-            <a:bodyPr rtlCol="0" anchor="ctr"/>
-            <a:lstStyle/>
-            <a:p>
-              <a:pPr algn="ctr"/>
-              <a:endParaRPr lang="en-US"/>
-            </a:p>
-          </p:txBody>
-        </p:sp>
-        <p:pic>
-          <p:nvPicPr>
-            <p:cNvPr id="5" name="Picture 4"/>
-            <p:cNvPicPr>
-              <a:picLocks noChangeAspect="1"/>
-            </p:cNvPicPr>
-            <p:nvPr/>
-          </p:nvPicPr>
-          <p:blipFill>
-            <a:blip r:embed="rId2"/>
-            <a:stretch>
-              <a:fillRect/>
-            </a:stretch>
-          </p:blipFill>
-          <p:spPr>
-            <a:xfrm>
-              <a:off x="6135685" y="1516790"/>
-              <a:ext cx="3879498" cy="3223242"/>
-            </a:xfrm>
-            <a:prstGeom prst="rect">
-              <a:avLst/>
-            </a:prstGeom>
-          </p:spPr>
-        </p:pic>
-      </p:grpSp>
-      <p:grpSp>
-        <p:nvGrpSpPr>
-          <p:cNvPr id="11" name="Group 10"/>
-          <p:cNvGrpSpPr/>
-          <p:nvPr/>
-        </p:nvGrpSpPr>
-        <p:grpSpPr>
-          <a:xfrm>
-            <a:off x="485130" y="1603290"/>
-            <a:ext cx="4455459" cy="3621742"/>
-            <a:chOff x="485130" y="1603290"/>
-            <a:chExt cx="4455459" cy="3621742"/>
-          </a:xfrm>
-        </p:grpSpPr>
-        <p:sp>
-          <p:nvSpPr>
-            <p:cNvPr id="8" name="Rounded Rectangle 7"/>
-            <p:cNvSpPr/>
-            <p:nvPr/>
-          </p:nvSpPr>
-          <p:spPr>
-            <a:xfrm>
-              <a:off x="485130" y="1603290"/>
-              <a:ext cx="4455459" cy="3621742"/>
-            </a:xfrm>
-            <a:prstGeom prst="roundRect">
-              <a:avLst/>
-            </a:prstGeom>
-            <a:solidFill>
-              <a:schemeClr val="bg1"/>
-            </a:solidFill>
-          </p:spPr>
-          <p:style>
-            <a:lnRef idx="2">
-              <a:schemeClr val="accent1">
-                <a:shade val="50000"/>
-              </a:schemeClr>
-            </a:lnRef>
-            <a:fillRef idx="1">
-              <a:schemeClr val="accent1"/>
-            </a:fillRef>
-            <a:effectRef idx="0">
-              <a:schemeClr val="accent1"/>
-            </a:effectRef>
-            <a:fontRef idx="minor">
-              <a:schemeClr val="lt1"/>
-            </a:fontRef>
-          </p:style>
-          <p:txBody>
-            <a:bodyPr rtlCol="0" anchor="ctr"/>
-            <a:lstStyle/>
-            <a:p>
-              <a:pPr algn="ctr"/>
-              <a:endParaRPr lang="en-US"/>
-            </a:p>
-          </p:txBody>
-        </p:sp>
-        <p:pic>
-          <p:nvPicPr>
-            <p:cNvPr id="10" name="Picture 9"/>
-            <p:cNvPicPr>
-              <a:picLocks noChangeAspect="1"/>
-            </p:cNvPicPr>
-            <p:nvPr/>
-          </p:nvPicPr>
-          <p:blipFill>
-            <a:blip r:embed="rId3"/>
-            <a:stretch>
-              <a:fillRect/>
-            </a:stretch>
-          </p:blipFill>
-          <p:spPr>
-            <a:xfrm>
-              <a:off x="767344" y="1744905"/>
-              <a:ext cx="3891029" cy="3338512"/>
-            </a:xfrm>
-            <a:prstGeom prst="rect">
-              <a:avLst/>
-            </a:prstGeom>
-          </p:spPr>
-        </p:pic>
-      </p:grpSp>
-    </p:spTree>
-    <p:extLst>
-      <p:ext uri="{BB962C8B-B14F-4D97-AF65-F5344CB8AC3E}">
-        <p14:creationId xmlns:p14="http://schemas.microsoft.com/office/powerpoint/2010/main" val="605985897"/>
       </p:ext>
     </p:extLst>
   </p:cSld>

--- a/images/ppt-to-size-images.pptx
+++ b/images/ppt-to-size-images.pptx
@@ -15,7 +15,8 @@
     <p:sldId id="263" r:id="rId9"/>
     <p:sldId id="264" r:id="rId10"/>
     <p:sldId id="265" r:id="rId11"/>
-    <p:sldId id="259" r:id="rId12"/>
+    <p:sldId id="267" r:id="rId12"/>
+    <p:sldId id="259" r:id="rId13"/>
   </p:sldIdLst>
   <p:sldSz cx="12192000" cy="6858000"/>
   <p:notesSz cx="6858000" cy="9144000"/>
@@ -3291,6 +3292,118 @@
 </file>
 
 <file path=ppt/slides/slide11.xml><?xml version="1.0" encoding="utf-8"?>
+<p:sld xmlns:a="http://schemas.openxmlformats.org/drawingml/2006/main" xmlns:r="http://schemas.openxmlformats.org/officeDocument/2006/relationships" xmlns:p="http://schemas.openxmlformats.org/presentationml/2006/main">
+  <p:cSld>
+    <p:spTree>
+      <p:nvGrpSpPr>
+        <p:cNvPr id="1" name=""/>
+        <p:cNvGrpSpPr/>
+        <p:nvPr/>
+      </p:nvGrpSpPr>
+      <p:grpSpPr>
+        <a:xfrm>
+          <a:off x="0" y="0"/>
+          <a:ext cx="0" cy="0"/>
+          <a:chOff x="0" y="0"/>
+          <a:chExt cx="0" cy="0"/>
+        </a:xfrm>
+      </p:grpSpPr>
+      <p:grpSp>
+        <p:nvGrpSpPr>
+          <p:cNvPr id="7" name="Group 6"/>
+          <p:cNvGrpSpPr/>
+          <p:nvPr/>
+        </p:nvGrpSpPr>
+        <p:grpSpPr>
+          <a:xfrm>
+            <a:off x="485130" y="1603290"/>
+            <a:ext cx="4455459" cy="3621742"/>
+            <a:chOff x="485130" y="1603290"/>
+            <a:chExt cx="4455459" cy="3621742"/>
+          </a:xfrm>
+        </p:grpSpPr>
+        <p:sp>
+          <p:nvSpPr>
+            <p:cNvPr id="8" name="Rounded Rectangle 7"/>
+            <p:cNvSpPr/>
+            <p:nvPr/>
+          </p:nvSpPr>
+          <p:spPr>
+            <a:xfrm>
+              <a:off x="485130" y="1603290"/>
+              <a:ext cx="4455459" cy="3621742"/>
+            </a:xfrm>
+            <a:prstGeom prst="roundRect">
+              <a:avLst/>
+            </a:prstGeom>
+            <a:solidFill>
+              <a:schemeClr val="bg1"/>
+            </a:solidFill>
+          </p:spPr>
+          <p:style>
+            <a:lnRef idx="2">
+              <a:schemeClr val="accent1">
+                <a:shade val="50000"/>
+              </a:schemeClr>
+            </a:lnRef>
+            <a:fillRef idx="1">
+              <a:schemeClr val="accent1"/>
+            </a:fillRef>
+            <a:effectRef idx="0">
+              <a:schemeClr val="accent1"/>
+            </a:effectRef>
+            <a:fontRef idx="minor">
+              <a:schemeClr val="lt1"/>
+            </a:fontRef>
+          </p:style>
+          <p:txBody>
+            <a:bodyPr rtlCol="0" anchor="ctr"/>
+            <a:lstStyle/>
+            <a:p>
+              <a:pPr algn="ctr"/>
+              <a:endParaRPr lang="en-US"/>
+            </a:p>
+          </p:txBody>
+        </p:sp>
+        <p:pic>
+          <p:nvPicPr>
+            <p:cNvPr id="3" name="Picture 2"/>
+            <p:cNvPicPr>
+              <a:picLocks noChangeAspect="1"/>
+            </p:cNvPicPr>
+            <p:nvPr/>
+          </p:nvPicPr>
+          <p:blipFill>
+            <a:blip r:embed="rId2"/>
+            <a:stretch>
+              <a:fillRect/>
+            </a:stretch>
+          </p:blipFill>
+          <p:spPr>
+            <a:xfrm>
+              <a:off x="485130" y="2363904"/>
+              <a:ext cx="4455459" cy="2100513"/>
+            </a:xfrm>
+            <a:prstGeom prst="rect">
+              <a:avLst/>
+            </a:prstGeom>
+          </p:spPr>
+        </p:pic>
+      </p:grpSp>
+    </p:spTree>
+    <p:extLst>
+      <p:ext uri="{BB962C8B-B14F-4D97-AF65-F5344CB8AC3E}">
+        <p14:creationId xmlns:p14="http://schemas.microsoft.com/office/powerpoint/2010/main" val="1943066790"/>
+      </p:ext>
+    </p:extLst>
+  </p:cSld>
+  <p:clrMapOvr>
+    <a:masterClrMapping/>
+  </p:clrMapOvr>
+</p:sld>
+</file>
+
+<file path=ppt/slides/slide12.xml><?xml version="1.0" encoding="utf-8"?>
 <p:sld xmlns:a="http://schemas.openxmlformats.org/drawingml/2006/main" xmlns:r="http://schemas.openxmlformats.org/officeDocument/2006/relationships" xmlns:p="http://schemas.openxmlformats.org/presentationml/2006/main">
   <p:cSld>
     <p:spTree>

--- a/images/ppt-to-size-images.pptx
+++ b/images/ppt-to-size-images.pptx
@@ -16,7 +16,9 @@
     <p:sldId id="264" r:id="rId10"/>
     <p:sldId id="265" r:id="rId11"/>
     <p:sldId id="267" r:id="rId12"/>
-    <p:sldId id="259" r:id="rId13"/>
+    <p:sldId id="269" r:id="rId13"/>
+    <p:sldId id="259" r:id="rId14"/>
+    <p:sldId id="268" r:id="rId15"/>
   </p:sldIdLst>
   <p:sldSz cx="12192000" cy="6858000"/>
   <p:notesSz cx="6858000" cy="9144000"/>
@@ -254,7 +256,7 @@
           <a:p>
             <a:fld id="{12B6DBB2-C918-40F8-AB3C-69C5EB3B8A38}" type="datetimeFigureOut">
               <a:rPr lang="en-US" smtClean="0"/>
-              <a:t>9/24/2018</a:t>
+              <a:t>10/3/2018</a:t>
             </a:fld>
             <a:endParaRPr lang="en-US"/>
           </a:p>
@@ -424,7 +426,7 @@
           <a:p>
             <a:fld id="{12B6DBB2-C918-40F8-AB3C-69C5EB3B8A38}" type="datetimeFigureOut">
               <a:rPr lang="en-US" smtClean="0"/>
-              <a:t>9/24/2018</a:t>
+              <a:t>10/3/2018</a:t>
             </a:fld>
             <a:endParaRPr lang="en-US"/>
           </a:p>
@@ -604,7 +606,7 @@
           <a:p>
             <a:fld id="{12B6DBB2-C918-40F8-AB3C-69C5EB3B8A38}" type="datetimeFigureOut">
               <a:rPr lang="en-US" smtClean="0"/>
-              <a:t>9/24/2018</a:t>
+              <a:t>10/3/2018</a:t>
             </a:fld>
             <a:endParaRPr lang="en-US"/>
           </a:p>
@@ -774,7 +776,7 @@
           <a:p>
             <a:fld id="{12B6DBB2-C918-40F8-AB3C-69C5EB3B8A38}" type="datetimeFigureOut">
               <a:rPr lang="en-US" smtClean="0"/>
-              <a:t>9/24/2018</a:t>
+              <a:t>10/3/2018</a:t>
             </a:fld>
             <a:endParaRPr lang="en-US"/>
           </a:p>
@@ -1020,7 +1022,7 @@
           <a:p>
             <a:fld id="{12B6DBB2-C918-40F8-AB3C-69C5EB3B8A38}" type="datetimeFigureOut">
               <a:rPr lang="en-US" smtClean="0"/>
-              <a:t>9/24/2018</a:t>
+              <a:t>10/3/2018</a:t>
             </a:fld>
             <a:endParaRPr lang="en-US"/>
           </a:p>
@@ -1252,7 +1254,7 @@
           <a:p>
             <a:fld id="{12B6DBB2-C918-40F8-AB3C-69C5EB3B8A38}" type="datetimeFigureOut">
               <a:rPr lang="en-US" smtClean="0"/>
-              <a:t>9/24/2018</a:t>
+              <a:t>10/3/2018</a:t>
             </a:fld>
             <a:endParaRPr lang="en-US"/>
           </a:p>
@@ -1619,7 +1621,7 @@
           <a:p>
             <a:fld id="{12B6DBB2-C918-40F8-AB3C-69C5EB3B8A38}" type="datetimeFigureOut">
               <a:rPr lang="en-US" smtClean="0"/>
-              <a:t>9/24/2018</a:t>
+              <a:t>10/3/2018</a:t>
             </a:fld>
             <a:endParaRPr lang="en-US"/>
           </a:p>
@@ -1737,7 +1739,7 @@
           <a:p>
             <a:fld id="{12B6DBB2-C918-40F8-AB3C-69C5EB3B8A38}" type="datetimeFigureOut">
               <a:rPr lang="en-US" smtClean="0"/>
-              <a:t>9/24/2018</a:t>
+              <a:t>10/3/2018</a:t>
             </a:fld>
             <a:endParaRPr lang="en-US"/>
           </a:p>
@@ -1832,7 +1834,7 @@
           <a:p>
             <a:fld id="{12B6DBB2-C918-40F8-AB3C-69C5EB3B8A38}" type="datetimeFigureOut">
               <a:rPr lang="en-US" smtClean="0"/>
-              <a:t>9/24/2018</a:t>
+              <a:t>10/3/2018</a:t>
             </a:fld>
             <a:endParaRPr lang="en-US"/>
           </a:p>
@@ -2109,7 +2111,7 @@
           <a:p>
             <a:fld id="{12B6DBB2-C918-40F8-AB3C-69C5EB3B8A38}" type="datetimeFigureOut">
               <a:rPr lang="en-US" smtClean="0"/>
-              <a:t>9/24/2018</a:t>
+              <a:t>10/3/2018</a:t>
             </a:fld>
             <a:endParaRPr lang="en-US"/>
           </a:p>
@@ -2362,7 +2364,7 @@
           <a:p>
             <a:fld id="{12B6DBB2-C918-40F8-AB3C-69C5EB3B8A38}" type="datetimeFigureOut">
               <a:rPr lang="en-US" smtClean="0"/>
-              <a:t>9/24/2018</a:t>
+              <a:t>10/3/2018</a:t>
             </a:fld>
             <a:endParaRPr lang="en-US"/>
           </a:p>
@@ -2575,7 +2577,7 @@
           <a:p>
             <a:fld id="{12B6DBB2-C918-40F8-AB3C-69C5EB3B8A38}" type="datetimeFigureOut">
               <a:rPr lang="en-US" smtClean="0"/>
-              <a:t>9/24/2018</a:t>
+              <a:t>10/3/2018</a:t>
             </a:fld>
             <a:endParaRPr lang="en-US"/>
           </a:p>
@@ -3422,6 +3424,118 @@
       </p:grpSpPr>
       <p:grpSp>
         <p:nvGrpSpPr>
+          <p:cNvPr id="6" name="Group 5"/>
+          <p:cNvGrpSpPr/>
+          <p:nvPr/>
+        </p:nvGrpSpPr>
+        <p:grpSpPr>
+          <a:xfrm>
+            <a:off x="485130" y="1603290"/>
+            <a:ext cx="4455459" cy="3621742"/>
+            <a:chOff x="485130" y="1603290"/>
+            <a:chExt cx="4455459" cy="3621742"/>
+          </a:xfrm>
+        </p:grpSpPr>
+        <p:sp>
+          <p:nvSpPr>
+            <p:cNvPr id="8" name="Rounded Rectangle 7"/>
+            <p:cNvSpPr/>
+            <p:nvPr/>
+          </p:nvSpPr>
+          <p:spPr>
+            <a:xfrm>
+              <a:off x="485130" y="1603290"/>
+              <a:ext cx="4455459" cy="3621742"/>
+            </a:xfrm>
+            <a:prstGeom prst="roundRect">
+              <a:avLst/>
+            </a:prstGeom>
+            <a:solidFill>
+              <a:schemeClr val="bg1"/>
+            </a:solidFill>
+          </p:spPr>
+          <p:style>
+            <a:lnRef idx="2">
+              <a:schemeClr val="accent1">
+                <a:shade val="50000"/>
+              </a:schemeClr>
+            </a:lnRef>
+            <a:fillRef idx="1">
+              <a:schemeClr val="accent1"/>
+            </a:fillRef>
+            <a:effectRef idx="0">
+              <a:schemeClr val="accent1"/>
+            </a:effectRef>
+            <a:fontRef idx="minor">
+              <a:schemeClr val="lt1"/>
+            </a:fontRef>
+          </p:style>
+          <p:txBody>
+            <a:bodyPr rtlCol="0" anchor="ctr"/>
+            <a:lstStyle/>
+            <a:p>
+              <a:pPr algn="ctr"/>
+              <a:endParaRPr lang="en-US"/>
+            </a:p>
+          </p:txBody>
+        </p:sp>
+        <p:pic>
+          <p:nvPicPr>
+            <p:cNvPr id="5" name="Picture 4"/>
+            <p:cNvPicPr>
+              <a:picLocks noChangeAspect="1"/>
+            </p:cNvPicPr>
+            <p:nvPr/>
+          </p:nvPicPr>
+          <p:blipFill>
+            <a:blip r:embed="rId2"/>
+            <a:stretch>
+              <a:fillRect/>
+            </a:stretch>
+          </p:blipFill>
+          <p:spPr>
+            <a:xfrm>
+              <a:off x="623862" y="2219049"/>
+              <a:ext cx="4177994" cy="2390223"/>
+            </a:xfrm>
+            <a:prstGeom prst="rect">
+              <a:avLst/>
+            </a:prstGeom>
+          </p:spPr>
+        </p:pic>
+      </p:grpSp>
+    </p:spTree>
+    <p:extLst>
+      <p:ext uri="{BB962C8B-B14F-4D97-AF65-F5344CB8AC3E}">
+        <p14:creationId xmlns:p14="http://schemas.microsoft.com/office/powerpoint/2010/main" val="3772663429"/>
+      </p:ext>
+    </p:extLst>
+  </p:cSld>
+  <p:clrMapOvr>
+    <a:masterClrMapping/>
+  </p:clrMapOvr>
+</p:sld>
+</file>
+
+<file path=ppt/slides/slide13.xml><?xml version="1.0" encoding="utf-8"?>
+<p:sld xmlns:a="http://schemas.openxmlformats.org/drawingml/2006/main" xmlns:r="http://schemas.openxmlformats.org/officeDocument/2006/relationships" xmlns:p="http://schemas.openxmlformats.org/presentationml/2006/main">
+  <p:cSld>
+    <p:spTree>
+      <p:nvGrpSpPr>
+        <p:cNvPr id="1" name=""/>
+        <p:cNvGrpSpPr/>
+        <p:nvPr/>
+      </p:nvGrpSpPr>
+      <p:grpSpPr>
+        <a:xfrm>
+          <a:off x="0" y="0"/>
+          <a:ext cx="0" cy="0"/>
+          <a:chOff x="0" y="0"/>
+          <a:chExt cx="0" cy="0"/>
+        </a:xfrm>
+      </p:grpSpPr>
+      <p:grpSp>
+        <p:nvGrpSpPr>
           <p:cNvPr id="7" name="Group 6"/>
           <p:cNvGrpSpPr/>
           <p:nvPr/>
@@ -3543,6 +3657,60 @@
     <p:extLst>
       <p:ext uri="{BB962C8B-B14F-4D97-AF65-F5344CB8AC3E}">
         <p14:creationId xmlns:p14="http://schemas.microsoft.com/office/powerpoint/2010/main" val="3076697305"/>
+      </p:ext>
+    </p:extLst>
+  </p:cSld>
+  <p:clrMapOvr>
+    <a:masterClrMapping/>
+  </p:clrMapOvr>
+</p:sld>
+</file>
+
+<file path=ppt/slides/slide14.xml><?xml version="1.0" encoding="utf-8"?>
+<p:sld xmlns:a="http://schemas.openxmlformats.org/drawingml/2006/main" xmlns:r="http://schemas.openxmlformats.org/officeDocument/2006/relationships" xmlns:p="http://schemas.openxmlformats.org/presentationml/2006/main">
+  <p:cSld>
+    <p:spTree>
+      <p:nvGrpSpPr>
+        <p:cNvPr id="1" name=""/>
+        <p:cNvGrpSpPr/>
+        <p:nvPr/>
+      </p:nvGrpSpPr>
+      <p:grpSpPr>
+        <a:xfrm>
+          <a:off x="0" y="0"/>
+          <a:ext cx="0" cy="0"/>
+          <a:chOff x="0" y="0"/>
+          <a:chExt cx="0" cy="0"/>
+        </a:xfrm>
+      </p:grpSpPr>
+      <p:pic>
+        <p:nvPicPr>
+          <p:cNvPr id="2" name="Picture 1"/>
+          <p:cNvPicPr>
+            <a:picLocks noChangeAspect="1"/>
+          </p:cNvPicPr>
+          <p:nvPr/>
+        </p:nvPicPr>
+        <p:blipFill>
+          <a:blip r:embed="rId2"/>
+          <a:stretch>
+            <a:fillRect/>
+          </a:stretch>
+        </p:blipFill>
+        <p:spPr>
+          <a:xfrm>
+            <a:off x="2099100" y="1209675"/>
+            <a:ext cx="7460383" cy="3515578"/>
+          </a:xfrm>
+          <a:prstGeom prst="rect">
+            <a:avLst/>
+          </a:prstGeom>
+        </p:spPr>
+      </p:pic>
+    </p:spTree>
+    <p:extLst>
+      <p:ext uri="{BB962C8B-B14F-4D97-AF65-F5344CB8AC3E}">
+        <p14:creationId xmlns:p14="http://schemas.microsoft.com/office/powerpoint/2010/main" val="879393652"/>
       </p:ext>
     </p:extLst>
   </p:cSld>

--- a/images/ppt-to-size-images.pptx
+++ b/images/ppt-to-size-images.pptx
@@ -18,7 +18,8 @@
     <p:sldId id="267" r:id="rId12"/>
     <p:sldId id="269" r:id="rId13"/>
     <p:sldId id="259" r:id="rId14"/>
-    <p:sldId id="268" r:id="rId15"/>
+    <p:sldId id="270" r:id="rId15"/>
+    <p:sldId id="268" r:id="rId16"/>
   </p:sldIdLst>
   <p:sldSz cx="12192000" cy="6858000"/>
   <p:notesSz cx="6858000" cy="9144000"/>
@@ -256,7 +257,7 @@
           <a:p>
             <a:fld id="{12B6DBB2-C918-40F8-AB3C-69C5EB3B8A38}" type="datetimeFigureOut">
               <a:rPr lang="en-US" smtClean="0"/>
-              <a:t>10/3/2018</a:t>
+              <a:t>10/11/2018</a:t>
             </a:fld>
             <a:endParaRPr lang="en-US"/>
           </a:p>
@@ -426,7 +427,7 @@
           <a:p>
             <a:fld id="{12B6DBB2-C918-40F8-AB3C-69C5EB3B8A38}" type="datetimeFigureOut">
               <a:rPr lang="en-US" smtClean="0"/>
-              <a:t>10/3/2018</a:t>
+              <a:t>10/11/2018</a:t>
             </a:fld>
             <a:endParaRPr lang="en-US"/>
           </a:p>
@@ -606,7 +607,7 @@
           <a:p>
             <a:fld id="{12B6DBB2-C918-40F8-AB3C-69C5EB3B8A38}" type="datetimeFigureOut">
               <a:rPr lang="en-US" smtClean="0"/>
-              <a:t>10/3/2018</a:t>
+              <a:t>10/11/2018</a:t>
             </a:fld>
             <a:endParaRPr lang="en-US"/>
           </a:p>
@@ -776,7 +777,7 @@
           <a:p>
             <a:fld id="{12B6DBB2-C918-40F8-AB3C-69C5EB3B8A38}" type="datetimeFigureOut">
               <a:rPr lang="en-US" smtClean="0"/>
-              <a:t>10/3/2018</a:t>
+              <a:t>10/11/2018</a:t>
             </a:fld>
             <a:endParaRPr lang="en-US"/>
           </a:p>
@@ -1022,7 +1023,7 @@
           <a:p>
             <a:fld id="{12B6DBB2-C918-40F8-AB3C-69C5EB3B8A38}" type="datetimeFigureOut">
               <a:rPr lang="en-US" smtClean="0"/>
-              <a:t>10/3/2018</a:t>
+              <a:t>10/11/2018</a:t>
             </a:fld>
             <a:endParaRPr lang="en-US"/>
           </a:p>
@@ -1254,7 +1255,7 @@
           <a:p>
             <a:fld id="{12B6DBB2-C918-40F8-AB3C-69C5EB3B8A38}" type="datetimeFigureOut">
               <a:rPr lang="en-US" smtClean="0"/>
-              <a:t>10/3/2018</a:t>
+              <a:t>10/11/2018</a:t>
             </a:fld>
             <a:endParaRPr lang="en-US"/>
           </a:p>
@@ -1621,7 +1622,7 @@
           <a:p>
             <a:fld id="{12B6DBB2-C918-40F8-AB3C-69C5EB3B8A38}" type="datetimeFigureOut">
               <a:rPr lang="en-US" smtClean="0"/>
-              <a:t>10/3/2018</a:t>
+              <a:t>10/11/2018</a:t>
             </a:fld>
             <a:endParaRPr lang="en-US"/>
           </a:p>
@@ -1739,7 +1740,7 @@
           <a:p>
             <a:fld id="{12B6DBB2-C918-40F8-AB3C-69C5EB3B8A38}" type="datetimeFigureOut">
               <a:rPr lang="en-US" smtClean="0"/>
-              <a:t>10/3/2018</a:t>
+              <a:t>10/11/2018</a:t>
             </a:fld>
             <a:endParaRPr lang="en-US"/>
           </a:p>
@@ -1834,7 +1835,7 @@
           <a:p>
             <a:fld id="{12B6DBB2-C918-40F8-AB3C-69C5EB3B8A38}" type="datetimeFigureOut">
               <a:rPr lang="en-US" smtClean="0"/>
-              <a:t>10/3/2018</a:t>
+              <a:t>10/11/2018</a:t>
             </a:fld>
             <a:endParaRPr lang="en-US"/>
           </a:p>
@@ -2111,7 +2112,7 @@
           <a:p>
             <a:fld id="{12B6DBB2-C918-40F8-AB3C-69C5EB3B8A38}" type="datetimeFigureOut">
               <a:rPr lang="en-US" smtClean="0"/>
-              <a:t>10/3/2018</a:t>
+              <a:t>10/11/2018</a:t>
             </a:fld>
             <a:endParaRPr lang="en-US"/>
           </a:p>
@@ -2364,7 +2365,7 @@
           <a:p>
             <a:fld id="{12B6DBB2-C918-40F8-AB3C-69C5EB3B8A38}" type="datetimeFigureOut">
               <a:rPr lang="en-US" smtClean="0"/>
-              <a:t>10/3/2018</a:t>
+              <a:t>10/11/2018</a:t>
             </a:fld>
             <a:endParaRPr lang="en-US"/>
           </a:p>
@@ -2577,7 +2578,7 @@
           <a:p>
             <a:fld id="{12B6DBB2-C918-40F8-AB3C-69C5EB3B8A38}" type="datetimeFigureOut">
               <a:rPr lang="en-US" smtClean="0"/>
-              <a:t>10/3/2018</a:t>
+              <a:t>10/11/2018</a:t>
             </a:fld>
             <a:endParaRPr lang="en-US"/>
           </a:p>
@@ -3667,6 +3668,213 @@
 </file>
 
 <file path=ppt/slides/slide14.xml><?xml version="1.0" encoding="utf-8"?>
+<p:sld xmlns:a="http://schemas.openxmlformats.org/drawingml/2006/main" xmlns:r="http://schemas.openxmlformats.org/officeDocument/2006/relationships" xmlns:p="http://schemas.openxmlformats.org/presentationml/2006/main">
+  <p:cSld>
+    <p:spTree>
+      <p:nvGrpSpPr>
+        <p:cNvPr id="1" name=""/>
+        <p:cNvGrpSpPr/>
+        <p:nvPr/>
+      </p:nvGrpSpPr>
+      <p:grpSpPr>
+        <a:xfrm>
+          <a:off x="0" y="0"/>
+          <a:ext cx="0" cy="0"/>
+          <a:chOff x="0" y="0"/>
+          <a:chExt cx="0" cy="0"/>
+        </a:xfrm>
+      </p:grpSpPr>
+      <p:grpSp>
+        <p:nvGrpSpPr>
+          <p:cNvPr id="7" name="Group 6"/>
+          <p:cNvGrpSpPr/>
+          <p:nvPr/>
+        </p:nvGrpSpPr>
+        <p:grpSpPr>
+          <a:xfrm>
+            <a:off x="1411429" y="116541"/>
+            <a:ext cx="4636946" cy="2064901"/>
+            <a:chOff x="5295790" y="1245548"/>
+            <a:chExt cx="744071" cy="1989064"/>
+          </a:xfrm>
+        </p:grpSpPr>
+        <p:sp>
+          <p:nvSpPr>
+            <p:cNvPr id="5" name="TextBox 4"/>
+            <p:cNvSpPr txBox="1"/>
+            <p:nvPr/>
+          </p:nvSpPr>
+          <p:spPr>
+            <a:xfrm>
+              <a:off x="5295790" y="1245548"/>
+              <a:ext cx="744071" cy="1126597"/>
+            </a:xfrm>
+            <a:prstGeom prst="rect">
+              <a:avLst/>
+            </a:prstGeom>
+            <a:noFill/>
+          </p:spPr>
+          <p:txBody>
+            <a:bodyPr wrap="square" rtlCol="0">
+              <a:spAutoFit/>
+            </a:bodyPr>
+            <a:lstStyle/>
+            <a:p>
+              <a:r>
+                <a:rPr lang="en-US" sz="7000" dirty="0" err="1" smtClean="0">
+                  <a:solidFill>
+                    <a:srgbClr val="0C2340"/>
+                  </a:solidFill>
+                  <a:latin typeface="AR DESTINE" panose="02000000000000000000" pitchFamily="2" charset="0"/>
+                </a:rPr>
+                <a:t>BlockChain</a:t>
+              </a:r>
+              <a:endParaRPr lang="en-US" sz="7000" dirty="0">
+                <a:solidFill>
+                  <a:srgbClr val="0C2340"/>
+                </a:solidFill>
+                <a:latin typeface="AR DESTINE" panose="02000000000000000000" pitchFamily="2" charset="0"/>
+              </a:endParaRPr>
+            </a:p>
+          </p:txBody>
+        </p:sp>
+        <p:sp>
+          <p:nvSpPr>
+            <p:cNvPr id="6" name="TextBox 5"/>
+            <p:cNvSpPr txBox="1"/>
+            <p:nvPr/>
+          </p:nvSpPr>
+          <p:spPr>
+            <a:xfrm>
+              <a:off x="5524291" y="2108015"/>
+              <a:ext cx="287069" cy="1126597"/>
+            </a:xfrm>
+            <a:prstGeom prst="rect">
+              <a:avLst/>
+            </a:prstGeom>
+            <a:noFill/>
+          </p:spPr>
+          <p:txBody>
+            <a:bodyPr wrap="square" rtlCol="0">
+              <a:spAutoFit/>
+            </a:bodyPr>
+            <a:lstStyle/>
+            <a:p>
+              <a:r>
+                <a:rPr lang="en-US" sz="7000" dirty="0" smtClean="0">
+                  <a:solidFill>
+                    <a:srgbClr val="C99700"/>
+                  </a:solidFill>
+                  <a:latin typeface="AR DESTINE" panose="02000000000000000000" pitchFamily="2" charset="0"/>
+                </a:rPr>
+                <a:t>API</a:t>
+              </a:r>
+              <a:endParaRPr lang="en-US" sz="7000" dirty="0">
+                <a:solidFill>
+                  <a:srgbClr val="C99700"/>
+                </a:solidFill>
+                <a:latin typeface="AR DESTINE" panose="02000000000000000000" pitchFamily="2" charset="0"/>
+              </a:endParaRPr>
+            </a:p>
+          </p:txBody>
+        </p:sp>
+      </p:grpSp>
+      <p:grpSp>
+        <p:nvGrpSpPr>
+          <p:cNvPr id="13" name="Group 12"/>
+          <p:cNvGrpSpPr/>
+          <p:nvPr/>
+        </p:nvGrpSpPr>
+        <p:grpSpPr>
+          <a:xfrm>
+            <a:off x="1142355" y="2424865"/>
+            <a:ext cx="4455459" cy="3621742"/>
+            <a:chOff x="1142355" y="2424865"/>
+            <a:chExt cx="4455459" cy="3621742"/>
+          </a:xfrm>
+        </p:grpSpPr>
+        <p:sp>
+          <p:nvSpPr>
+            <p:cNvPr id="10" name="Rounded Rectangle 9"/>
+            <p:cNvSpPr/>
+            <p:nvPr/>
+          </p:nvSpPr>
+          <p:spPr>
+            <a:xfrm>
+              <a:off x="1142355" y="2424865"/>
+              <a:ext cx="4455459" cy="3621742"/>
+            </a:xfrm>
+            <a:prstGeom prst="roundRect">
+              <a:avLst/>
+            </a:prstGeom>
+            <a:solidFill>
+              <a:schemeClr val="bg1"/>
+            </a:solidFill>
+          </p:spPr>
+          <p:style>
+            <a:lnRef idx="2">
+              <a:schemeClr val="accent1">
+                <a:shade val="50000"/>
+              </a:schemeClr>
+            </a:lnRef>
+            <a:fillRef idx="1">
+              <a:schemeClr val="accent1"/>
+            </a:fillRef>
+            <a:effectRef idx="0">
+              <a:schemeClr val="accent1"/>
+            </a:effectRef>
+            <a:fontRef idx="minor">
+              <a:schemeClr val="lt1"/>
+            </a:fontRef>
+          </p:style>
+          <p:txBody>
+            <a:bodyPr rtlCol="0" anchor="ctr"/>
+            <a:lstStyle/>
+            <a:p>
+              <a:pPr algn="ctr"/>
+              <a:endParaRPr lang="en-US"/>
+            </a:p>
+          </p:txBody>
+        </p:sp>
+        <p:pic>
+          <p:nvPicPr>
+            <p:cNvPr id="12" name="Picture 11"/>
+            <p:cNvPicPr>
+              <a:picLocks noChangeAspect="1"/>
+            </p:cNvPicPr>
+            <p:nvPr/>
+          </p:nvPicPr>
+          <p:blipFill>
+            <a:blip r:embed="rId2"/>
+            <a:stretch>
+              <a:fillRect/>
+            </a:stretch>
+          </p:blipFill>
+          <p:spPr>
+            <a:xfrm>
+              <a:off x="1193621" y="3407061"/>
+              <a:ext cx="4352925" cy="1657350"/>
+            </a:xfrm>
+            <a:prstGeom prst="rect">
+              <a:avLst/>
+            </a:prstGeom>
+          </p:spPr>
+        </p:pic>
+      </p:grpSp>
+    </p:spTree>
+    <p:extLst>
+      <p:ext uri="{BB962C8B-B14F-4D97-AF65-F5344CB8AC3E}">
+        <p14:creationId xmlns:p14="http://schemas.microsoft.com/office/powerpoint/2010/main" val="112840426"/>
+      </p:ext>
+    </p:extLst>
+  </p:cSld>
+  <p:clrMapOvr>
+    <a:masterClrMapping/>
+  </p:clrMapOvr>
+</p:sld>
+</file>
+
+<file path=ppt/slides/slide15.xml><?xml version="1.0" encoding="utf-8"?>
 <p:sld xmlns:a="http://schemas.openxmlformats.org/drawingml/2006/main" xmlns:r="http://schemas.openxmlformats.org/officeDocument/2006/relationships" xmlns:p="http://schemas.openxmlformats.org/presentationml/2006/main">
   <p:cSld>
     <p:spTree>

--- a/images/ppt-to-size-images.pptx
+++ b/images/ppt-to-size-images.pptx
@@ -19,7 +19,8 @@
     <p:sldId id="269" r:id="rId13"/>
     <p:sldId id="259" r:id="rId14"/>
     <p:sldId id="270" r:id="rId15"/>
-    <p:sldId id="268" r:id="rId16"/>
+    <p:sldId id="271" r:id="rId16"/>
+    <p:sldId id="268" r:id="rId17"/>
   </p:sldIdLst>
   <p:sldSz cx="12192000" cy="6858000"/>
   <p:notesSz cx="6858000" cy="9144000"/>
@@ -3891,6 +3892,118 @@
           <a:chExt cx="0" cy="0"/>
         </a:xfrm>
       </p:grpSpPr>
+      <p:grpSp>
+        <p:nvGrpSpPr>
+          <p:cNvPr id="3" name="Group 2"/>
+          <p:cNvGrpSpPr/>
+          <p:nvPr/>
+        </p:nvGrpSpPr>
+        <p:grpSpPr>
+          <a:xfrm>
+            <a:off x="1142355" y="2482015"/>
+            <a:ext cx="4455459" cy="3621742"/>
+            <a:chOff x="1142355" y="2482015"/>
+            <a:chExt cx="4455459" cy="3621742"/>
+          </a:xfrm>
+        </p:grpSpPr>
+        <p:sp>
+          <p:nvSpPr>
+            <p:cNvPr id="10" name="Rounded Rectangle 9"/>
+            <p:cNvSpPr/>
+            <p:nvPr/>
+          </p:nvSpPr>
+          <p:spPr>
+            <a:xfrm>
+              <a:off x="1142355" y="2482015"/>
+              <a:ext cx="4455459" cy="3621742"/>
+            </a:xfrm>
+            <a:prstGeom prst="roundRect">
+              <a:avLst/>
+            </a:prstGeom>
+            <a:solidFill>
+              <a:schemeClr val="bg1"/>
+            </a:solidFill>
+          </p:spPr>
+          <p:style>
+            <a:lnRef idx="2">
+              <a:schemeClr val="accent1">
+                <a:shade val="50000"/>
+              </a:schemeClr>
+            </a:lnRef>
+            <a:fillRef idx="1">
+              <a:schemeClr val="accent1"/>
+            </a:fillRef>
+            <a:effectRef idx="0">
+              <a:schemeClr val="accent1"/>
+            </a:effectRef>
+            <a:fontRef idx="minor">
+              <a:schemeClr val="lt1"/>
+            </a:fontRef>
+          </p:style>
+          <p:txBody>
+            <a:bodyPr rtlCol="0" anchor="ctr"/>
+            <a:lstStyle/>
+            <a:p>
+              <a:pPr algn="ctr"/>
+              <a:endParaRPr lang="en-US"/>
+            </a:p>
+          </p:txBody>
+        </p:sp>
+        <p:pic>
+          <p:nvPicPr>
+            <p:cNvPr id="2" name="Picture 1"/>
+            <p:cNvPicPr>
+              <a:picLocks noChangeAspect="1"/>
+            </p:cNvPicPr>
+            <p:nvPr/>
+          </p:nvPicPr>
+          <p:blipFill>
+            <a:blip r:embed="rId2"/>
+            <a:stretch>
+              <a:fillRect/>
+            </a:stretch>
+          </p:blipFill>
+          <p:spPr>
+            <a:xfrm>
+              <a:off x="1226959" y="3227530"/>
+              <a:ext cx="4286250" cy="2130711"/>
+            </a:xfrm>
+            <a:prstGeom prst="rect">
+              <a:avLst/>
+            </a:prstGeom>
+          </p:spPr>
+        </p:pic>
+      </p:grpSp>
+    </p:spTree>
+    <p:extLst>
+      <p:ext uri="{BB962C8B-B14F-4D97-AF65-F5344CB8AC3E}">
+        <p14:creationId xmlns:p14="http://schemas.microsoft.com/office/powerpoint/2010/main" val="2829960163"/>
+      </p:ext>
+    </p:extLst>
+  </p:cSld>
+  <p:clrMapOvr>
+    <a:masterClrMapping/>
+  </p:clrMapOvr>
+</p:sld>
+</file>
+
+<file path=ppt/slides/slide16.xml><?xml version="1.0" encoding="utf-8"?>
+<p:sld xmlns:a="http://schemas.openxmlformats.org/drawingml/2006/main" xmlns:r="http://schemas.openxmlformats.org/officeDocument/2006/relationships" xmlns:p="http://schemas.openxmlformats.org/presentationml/2006/main">
+  <p:cSld>
+    <p:spTree>
+      <p:nvGrpSpPr>
+        <p:cNvPr id="1" name=""/>
+        <p:cNvGrpSpPr/>
+        <p:nvPr/>
+      </p:nvGrpSpPr>
+      <p:grpSpPr>
+        <a:xfrm>
+          <a:off x="0" y="0"/>
+          <a:ext cx="0" cy="0"/>
+          <a:chOff x="0" y="0"/>
+          <a:chExt cx="0" cy="0"/>
+        </a:xfrm>
+      </p:grpSpPr>
       <p:pic>
         <p:nvPicPr>
           <p:cNvPr id="2" name="Picture 1"/>

--- a/images/ppt-to-size-images.pptx
+++ b/images/ppt-to-size-images.pptx
@@ -20,7 +20,8 @@
     <p:sldId id="259" r:id="rId14"/>
     <p:sldId id="270" r:id="rId15"/>
     <p:sldId id="271" r:id="rId16"/>
-    <p:sldId id="268" r:id="rId17"/>
+    <p:sldId id="272" r:id="rId17"/>
+    <p:sldId id="268" r:id="rId18"/>
   </p:sldIdLst>
   <p:sldSz cx="12192000" cy="6858000"/>
   <p:notesSz cx="6858000" cy="9144000"/>
@@ -258,7 +259,7 @@
           <a:p>
             <a:fld id="{12B6DBB2-C918-40F8-AB3C-69C5EB3B8A38}" type="datetimeFigureOut">
               <a:rPr lang="en-US" smtClean="0"/>
-              <a:t>10/11/2018</a:t>
+              <a:t>10/26/2018</a:t>
             </a:fld>
             <a:endParaRPr lang="en-US"/>
           </a:p>
@@ -428,7 +429,7 @@
           <a:p>
             <a:fld id="{12B6DBB2-C918-40F8-AB3C-69C5EB3B8A38}" type="datetimeFigureOut">
               <a:rPr lang="en-US" smtClean="0"/>
-              <a:t>10/11/2018</a:t>
+              <a:t>10/26/2018</a:t>
             </a:fld>
             <a:endParaRPr lang="en-US"/>
           </a:p>
@@ -608,7 +609,7 @@
           <a:p>
             <a:fld id="{12B6DBB2-C918-40F8-AB3C-69C5EB3B8A38}" type="datetimeFigureOut">
               <a:rPr lang="en-US" smtClean="0"/>
-              <a:t>10/11/2018</a:t>
+              <a:t>10/26/2018</a:t>
             </a:fld>
             <a:endParaRPr lang="en-US"/>
           </a:p>
@@ -778,7 +779,7 @@
           <a:p>
             <a:fld id="{12B6DBB2-C918-40F8-AB3C-69C5EB3B8A38}" type="datetimeFigureOut">
               <a:rPr lang="en-US" smtClean="0"/>
-              <a:t>10/11/2018</a:t>
+              <a:t>10/26/2018</a:t>
             </a:fld>
             <a:endParaRPr lang="en-US"/>
           </a:p>
@@ -1024,7 +1025,7 @@
           <a:p>
             <a:fld id="{12B6DBB2-C918-40F8-AB3C-69C5EB3B8A38}" type="datetimeFigureOut">
               <a:rPr lang="en-US" smtClean="0"/>
-              <a:t>10/11/2018</a:t>
+              <a:t>10/26/2018</a:t>
             </a:fld>
             <a:endParaRPr lang="en-US"/>
           </a:p>
@@ -1256,7 +1257,7 @@
           <a:p>
             <a:fld id="{12B6DBB2-C918-40F8-AB3C-69C5EB3B8A38}" type="datetimeFigureOut">
               <a:rPr lang="en-US" smtClean="0"/>
-              <a:t>10/11/2018</a:t>
+              <a:t>10/26/2018</a:t>
             </a:fld>
             <a:endParaRPr lang="en-US"/>
           </a:p>
@@ -1623,7 +1624,7 @@
           <a:p>
             <a:fld id="{12B6DBB2-C918-40F8-AB3C-69C5EB3B8A38}" type="datetimeFigureOut">
               <a:rPr lang="en-US" smtClean="0"/>
-              <a:t>10/11/2018</a:t>
+              <a:t>10/26/2018</a:t>
             </a:fld>
             <a:endParaRPr lang="en-US"/>
           </a:p>
@@ -1741,7 +1742,7 @@
           <a:p>
             <a:fld id="{12B6DBB2-C918-40F8-AB3C-69C5EB3B8A38}" type="datetimeFigureOut">
               <a:rPr lang="en-US" smtClean="0"/>
-              <a:t>10/11/2018</a:t>
+              <a:t>10/26/2018</a:t>
             </a:fld>
             <a:endParaRPr lang="en-US"/>
           </a:p>
@@ -1836,7 +1837,7 @@
           <a:p>
             <a:fld id="{12B6DBB2-C918-40F8-AB3C-69C5EB3B8A38}" type="datetimeFigureOut">
               <a:rPr lang="en-US" smtClean="0"/>
-              <a:t>10/11/2018</a:t>
+              <a:t>10/26/2018</a:t>
             </a:fld>
             <a:endParaRPr lang="en-US"/>
           </a:p>
@@ -2113,7 +2114,7 @@
           <a:p>
             <a:fld id="{12B6DBB2-C918-40F8-AB3C-69C5EB3B8A38}" type="datetimeFigureOut">
               <a:rPr lang="en-US" smtClean="0"/>
-              <a:t>10/11/2018</a:t>
+              <a:t>10/26/2018</a:t>
             </a:fld>
             <a:endParaRPr lang="en-US"/>
           </a:p>
@@ -2366,7 +2367,7 @@
           <a:p>
             <a:fld id="{12B6DBB2-C918-40F8-AB3C-69C5EB3B8A38}" type="datetimeFigureOut">
               <a:rPr lang="en-US" smtClean="0"/>
-              <a:t>10/11/2018</a:t>
+              <a:t>10/26/2018</a:t>
             </a:fld>
             <a:endParaRPr lang="en-US"/>
           </a:p>
@@ -2579,7 +2580,7 @@
           <a:p>
             <a:fld id="{12B6DBB2-C918-40F8-AB3C-69C5EB3B8A38}" type="datetimeFigureOut">
               <a:rPr lang="en-US" smtClean="0"/>
-              <a:t>10/11/2018</a:t>
+              <a:t>10/26/2018</a:t>
             </a:fld>
             <a:endParaRPr lang="en-US"/>
           </a:p>
@@ -4004,6 +4005,118 @@
           <a:chExt cx="0" cy="0"/>
         </a:xfrm>
       </p:grpSpPr>
+      <p:grpSp>
+        <p:nvGrpSpPr>
+          <p:cNvPr id="5" name="Group 4"/>
+          <p:cNvGrpSpPr/>
+          <p:nvPr/>
+        </p:nvGrpSpPr>
+        <p:grpSpPr>
+          <a:xfrm>
+            <a:off x="1142355" y="2482015"/>
+            <a:ext cx="4455459" cy="3621742"/>
+            <a:chOff x="1142355" y="2482015"/>
+            <a:chExt cx="4455459" cy="3621742"/>
+          </a:xfrm>
+        </p:grpSpPr>
+        <p:sp>
+          <p:nvSpPr>
+            <p:cNvPr id="10" name="Rounded Rectangle 9"/>
+            <p:cNvSpPr/>
+            <p:nvPr/>
+          </p:nvSpPr>
+          <p:spPr>
+            <a:xfrm>
+              <a:off x="1142355" y="2482015"/>
+              <a:ext cx="4455459" cy="3621742"/>
+            </a:xfrm>
+            <a:prstGeom prst="roundRect">
+              <a:avLst/>
+            </a:prstGeom>
+            <a:solidFill>
+              <a:schemeClr val="bg1"/>
+            </a:solidFill>
+          </p:spPr>
+          <p:style>
+            <a:lnRef idx="2">
+              <a:schemeClr val="accent1">
+                <a:shade val="50000"/>
+              </a:schemeClr>
+            </a:lnRef>
+            <a:fillRef idx="1">
+              <a:schemeClr val="accent1"/>
+            </a:fillRef>
+            <a:effectRef idx="0">
+              <a:schemeClr val="accent1"/>
+            </a:effectRef>
+            <a:fontRef idx="minor">
+              <a:schemeClr val="lt1"/>
+            </a:fontRef>
+          </p:style>
+          <p:txBody>
+            <a:bodyPr rtlCol="0" anchor="ctr"/>
+            <a:lstStyle/>
+            <a:p>
+              <a:pPr algn="ctr"/>
+              <a:endParaRPr lang="en-US"/>
+            </a:p>
+          </p:txBody>
+        </p:sp>
+        <p:pic>
+          <p:nvPicPr>
+            <p:cNvPr id="4" name="Picture 3"/>
+            <p:cNvPicPr>
+              <a:picLocks noChangeAspect="1"/>
+            </p:cNvPicPr>
+            <p:nvPr/>
+          </p:nvPicPr>
+          <p:blipFill>
+            <a:blip r:embed="rId2"/>
+            <a:stretch>
+              <a:fillRect/>
+            </a:stretch>
+          </p:blipFill>
+          <p:spPr>
+            <a:xfrm>
+              <a:off x="1142355" y="3143714"/>
+              <a:ext cx="4455459" cy="2298344"/>
+            </a:xfrm>
+            <a:prstGeom prst="rect">
+              <a:avLst/>
+            </a:prstGeom>
+          </p:spPr>
+        </p:pic>
+      </p:grpSp>
+    </p:spTree>
+    <p:extLst>
+      <p:ext uri="{BB962C8B-B14F-4D97-AF65-F5344CB8AC3E}">
+        <p14:creationId xmlns:p14="http://schemas.microsoft.com/office/powerpoint/2010/main" val="4125126865"/>
+      </p:ext>
+    </p:extLst>
+  </p:cSld>
+  <p:clrMapOvr>
+    <a:masterClrMapping/>
+  </p:clrMapOvr>
+</p:sld>
+</file>
+
+<file path=ppt/slides/slide17.xml><?xml version="1.0" encoding="utf-8"?>
+<p:sld xmlns:a="http://schemas.openxmlformats.org/drawingml/2006/main" xmlns:r="http://schemas.openxmlformats.org/officeDocument/2006/relationships" xmlns:p="http://schemas.openxmlformats.org/presentationml/2006/main">
+  <p:cSld>
+    <p:spTree>
+      <p:nvGrpSpPr>
+        <p:cNvPr id="1" name=""/>
+        <p:cNvGrpSpPr/>
+        <p:nvPr/>
+      </p:nvGrpSpPr>
+      <p:grpSpPr>
+        <a:xfrm>
+          <a:off x="0" y="0"/>
+          <a:ext cx="0" cy="0"/>
+          <a:chOff x="0" y="0"/>
+          <a:chExt cx="0" cy="0"/>
+        </a:xfrm>
+      </p:grpSpPr>
       <p:pic>
         <p:nvPicPr>
           <p:cNvPr id="2" name="Picture 1"/>
